--- a/spatial_join_in_R.pptx
+++ b/spatial_join_in_R.pptx
@@ -2,15 +2,16 @@
 <file path=ppt/presentation.xml><?xml version="1.0" encoding="utf-8"?>
 <p:presentation xmlns:a="http://schemas.openxmlformats.org/drawingml/2006/main" xmlns:r="http://schemas.openxmlformats.org/officeDocument/2006/relationships" xmlns:p="http://schemas.openxmlformats.org/presentationml/2006/main" saveSubsetFonts="1" autoCompressPictures="0">
   <p:sldMasterIdLst>
-    <p:sldMasterId id="2147483648" r:id="rId1"/>
+    <p:sldMasterId id="2147483827" r:id="rId1"/>
   </p:sldMasterIdLst>
   <p:notesMasterIdLst>
-    <p:notesMasterId r:id="rId5"/>
+    <p:notesMasterId r:id="rId6"/>
   </p:notesMasterIdLst>
   <p:sldIdLst>
     <p:sldId id="256" r:id="rId2"/>
     <p:sldId id="257" r:id="rId3"/>
     <p:sldId id="259" r:id="rId4"/>
+    <p:sldId id="260" r:id="rId5"/>
   </p:sldIdLst>
   <p:sldSz cx="12192000" cy="6858000"/>
   <p:notesSz cx="6858000" cy="9144000"/>
@@ -109,6 +110,11 @@
       </a:defRPr>
     </a:lvl9pPr>
   </p:defaultTextStyle>
+  <p:extLst>
+    <p:ext uri="{EFAFB233-063F-42B5-8137-9DF3F51BA10A}">
+      <p15:sldGuideLst xmlns:p15="http://schemas.microsoft.com/office/powerpoint/2012/main"/>
+    </p:ext>
+  </p:extLst>
 </p:presentation>
 </file>
 
@@ -194,7 +200,7 @@
           <a:p>
             <a:fld id="{77A112A0-86E4-B241-8868-91EF9262DE8C}" type="datetimeFigureOut">
               <a:rPr lang="en-US" smtClean="0"/>
-              <a:t>9/12/18</a:t>
+              <a:t>9/13/18</a:t>
             </a:fld>
             <a:endParaRPr lang="en-US"/>
           </a:p>
@@ -555,8 +561,18 @@
 </file>
 
 <file path=ppt/slideLayouts/slideLayout1.xml><?xml version="1.0" encoding="utf-8"?>
-<p:sldLayout xmlns:a="http://schemas.openxmlformats.org/drawingml/2006/main" xmlns:r="http://schemas.openxmlformats.org/officeDocument/2006/relationships" xmlns:p="http://schemas.openxmlformats.org/presentationml/2006/main" type="title" preserve="1">
+<p:sldLayout xmlns:a="http://schemas.openxmlformats.org/drawingml/2006/main" xmlns:r="http://schemas.openxmlformats.org/officeDocument/2006/relationships" xmlns:p="http://schemas.openxmlformats.org/presentationml/2006/main" showMasterSp="0" type="title" preserve="1">
   <p:cSld name="Title Slide">
+    <p:bg>
+      <p:bgPr>
+        <a:solidFill>
+          <a:schemeClr val="bg2">
+            <a:lumMod val="75000"/>
+          </a:schemeClr>
+        </a:solidFill>
+        <a:effectLst/>
+      </p:bgPr>
+    </p:bg>
     <p:spTree>
       <p:nvGrpSpPr>
         <p:cNvPr id="1" name=""/>
@@ -583,15 +599,24 @@
         </p:nvSpPr>
         <p:spPr>
           <a:xfrm>
-            <a:off x="1524000" y="1122363"/>
-            <a:ext cx="9144000" cy="2387600"/>
+            <a:off x="1261872" y="758952"/>
+            <a:ext cx="9418320" cy="4041648"/>
           </a:xfrm>
         </p:spPr>
         <p:txBody>
-          <a:bodyPr anchor="b"/>
+          <a:bodyPr anchor="b">
+            <a:normAutofit/>
+          </a:bodyPr>
           <a:lstStyle>
-            <a:lvl1pPr algn="ctr">
-              <a:defRPr sz="6000"/>
+            <a:lvl1pPr algn="l">
+              <a:lnSpc>
+                <a:spcPct val="85000"/>
+              </a:lnSpc>
+              <a:defRPr sz="7200" baseline="0">
+                <a:solidFill>
+                  <a:schemeClr val="tx1"/>
+                </a:solidFill>
+              </a:defRPr>
             </a:lvl1pPr>
           </a:lstStyle>
           <a:p>
@@ -599,7 +624,7 @@
               <a:rPr lang="en-US" smtClean="0"/>
               <a:t>Click to edit Master title style</a:t>
             </a:r>
-            <a:endParaRPr lang="en-US"/>
+            <a:endParaRPr lang="en-US" dirty="0"/>
           </a:p>
         </p:txBody>
       </p:sp>
@@ -615,48 +640,56 @@
         </p:nvSpPr>
         <p:spPr>
           <a:xfrm>
-            <a:off x="1524000" y="3602038"/>
-            <a:ext cx="9144000" cy="1655762"/>
+            <a:off x="1261872" y="4800600"/>
+            <a:ext cx="9418320" cy="1691640"/>
           </a:xfrm>
         </p:spPr>
         <p:txBody>
-          <a:bodyPr/>
+          <a:bodyPr>
+            <a:normAutofit/>
+          </a:bodyPr>
           <a:lstStyle>
-            <a:lvl1pPr marL="0" indent="0" algn="ctr">
+            <a:lvl1pPr marL="0" indent="0" algn="l">
               <a:buNone/>
-              <a:defRPr sz="2400"/>
+              <a:defRPr sz="2200" baseline="0">
+                <a:solidFill>
+                  <a:schemeClr val="tx1">
+                    <a:lumMod val="75000"/>
+                  </a:schemeClr>
+                </a:solidFill>
+              </a:defRPr>
             </a:lvl1pPr>
             <a:lvl2pPr marL="457200" indent="0" algn="ctr">
               <a:buNone/>
-              <a:defRPr sz="2000"/>
+              <a:defRPr sz="2200"/>
             </a:lvl2pPr>
             <a:lvl3pPr marL="914400" indent="0" algn="ctr">
               <a:buNone/>
-              <a:defRPr sz="1800"/>
+              <a:defRPr sz="2200"/>
             </a:lvl3pPr>
             <a:lvl4pPr marL="1371600" indent="0" algn="ctr">
               <a:buNone/>
-              <a:defRPr sz="1600"/>
+              <a:defRPr sz="2000"/>
             </a:lvl4pPr>
             <a:lvl5pPr marL="1828800" indent="0" algn="ctr">
               <a:buNone/>
-              <a:defRPr sz="1600"/>
+              <a:defRPr sz="2000"/>
             </a:lvl5pPr>
             <a:lvl6pPr marL="2286000" indent="0" algn="ctr">
               <a:buNone/>
-              <a:defRPr sz="1600"/>
+              <a:defRPr sz="2000"/>
             </a:lvl6pPr>
             <a:lvl7pPr marL="2743200" indent="0" algn="ctr">
               <a:buNone/>
-              <a:defRPr sz="1600"/>
+              <a:defRPr sz="2000"/>
             </a:lvl7pPr>
             <a:lvl8pPr marL="3200400" indent="0" algn="ctr">
               <a:buNone/>
-              <a:defRPr sz="1600"/>
+              <a:defRPr sz="2000"/>
             </a:lvl8pPr>
             <a:lvl9pPr marL="3657600" indent="0" algn="ctr">
               <a:buNone/>
-              <a:defRPr sz="1600"/>
+              <a:defRPr sz="2000"/>
             </a:lvl9pPr>
           </a:lstStyle>
           <a:p>
@@ -664,7 +697,7 @@
               <a:rPr lang="en-US" smtClean="0"/>
               <a:t>Click to edit Master subtitle style</a:t>
             </a:r>
-            <a:endParaRPr lang="en-US"/>
+            <a:endParaRPr lang="en-US" dirty="0"/>
           </a:p>
         </p:txBody>
       </p:sp>
@@ -681,11 +714,21 @@
         <p:spPr/>
         <p:txBody>
           <a:bodyPr/>
-          <a:lstStyle/>
+          <a:lstStyle>
+            <a:lvl1pPr>
+              <a:defRPr>
+                <a:solidFill>
+                  <a:schemeClr val="tx1">
+                    <a:lumMod val="50000"/>
+                  </a:schemeClr>
+                </a:solidFill>
+              </a:defRPr>
+            </a:lvl1pPr>
+          </a:lstStyle>
           <a:p>
             <a:fld id="{5A473222-A895-5E4E-B614-364561805892}" type="datetimeFigureOut">
               <a:rPr lang="en-US" smtClean="0"/>
-              <a:t>9/12/18</a:t>
+              <a:t>9/13/18</a:t>
             </a:fld>
             <a:endParaRPr lang="en-US"/>
           </a:p>
@@ -704,7 +747,17 @@
         <p:spPr/>
         <p:txBody>
           <a:bodyPr/>
-          <a:lstStyle/>
+          <a:lstStyle>
+            <a:lvl1pPr>
+              <a:defRPr>
+                <a:solidFill>
+                  <a:schemeClr val="tx1">
+                    <a:lumMod val="65000"/>
+                  </a:schemeClr>
+                </a:solidFill>
+              </a:defRPr>
+            </a:lvl1pPr>
+          </a:lstStyle>
           <a:p>
             <a:endParaRPr lang="en-US"/>
           </a:p>
@@ -723,7 +776,17 @@
         <p:spPr/>
         <p:txBody>
           <a:bodyPr/>
-          <a:lstStyle/>
+          <a:lstStyle>
+            <a:lvl1pPr>
+              <a:defRPr>
+                <a:solidFill>
+                  <a:schemeClr val="tx1">
+                    <a:lumMod val="65000"/>
+                  </a:schemeClr>
+                </a:solidFill>
+              </a:defRPr>
+            </a:lvl1pPr>
+          </a:lstStyle>
           <a:p>
             <a:fld id="{241165EA-1F39-0441-AB8D-B33AD4935C75}" type="slidenum">
               <a:rPr lang="en-US" smtClean="0"/>
@@ -733,15 +796,53 @@
           </a:p>
         </p:txBody>
       </p:sp>
+      <p:sp>
+        <p:nvSpPr>
+          <p:cNvPr id="7" name="Rectangle 6"/>
+          <p:cNvSpPr/>
+          <p:nvPr/>
+        </p:nvSpPr>
+        <p:spPr>
+          <a:xfrm>
+            <a:off x="0" y="0"/>
+            <a:ext cx="457200" cy="6858000"/>
+          </a:xfrm>
+          <a:prstGeom prst="rect">
+            <a:avLst/>
+          </a:prstGeom>
+          <a:solidFill>
+            <a:schemeClr val="accent1"/>
+          </a:solidFill>
+          <a:ln>
+            <a:noFill/>
+          </a:ln>
+        </p:spPr>
+        <p:style>
+          <a:lnRef idx="2">
+            <a:schemeClr val="accent1">
+              <a:shade val="50000"/>
+            </a:schemeClr>
+          </a:lnRef>
+          <a:fillRef idx="1">
+            <a:schemeClr val="accent1"/>
+          </a:fillRef>
+          <a:effectRef idx="0">
+            <a:schemeClr val="accent1"/>
+          </a:effectRef>
+          <a:fontRef idx="minor">
+            <a:schemeClr val="lt1"/>
+          </a:fontRef>
+        </p:style>
+      </p:sp>
     </p:spTree>
     <p:extLst>
       <p:ext uri="{BB962C8B-B14F-4D97-AF65-F5344CB8AC3E}">
-        <p14:creationId xmlns:p14="http://schemas.microsoft.com/office/powerpoint/2010/main" val="467279208"/>
+        <p14:creationId xmlns:p14="http://schemas.microsoft.com/office/powerpoint/2010/main" val="469289944"/>
       </p:ext>
     </p:extLst>
   </p:cSld>
   <p:clrMapOvr>
-    <a:masterClrMapping/>
+    <a:overrideClrMapping bg1="dk1" tx1="lt1" bg2="dk2" tx2="lt2" accent1="accent1" accent2="accent2" accent3="accent3" accent4="accent4" accent5="accent5" accent6="accent6" hlink="hlink" folHlink="folHlink"/>
   </p:clrMapOvr>
 </p:sldLayout>
 </file>
@@ -782,7 +883,7 @@
               <a:rPr lang="en-US" smtClean="0"/>
               <a:t>Click to edit Master title style</a:t>
             </a:r>
-            <a:endParaRPr lang="en-US"/>
+            <a:endParaRPr lang="en-US" dirty="0"/>
           </a:p>
         </p:txBody>
       </p:sp>
@@ -834,7 +935,7 @@
               <a:rPr lang="en-US" smtClean="0"/>
               <a:t>Fifth level</a:t>
             </a:r>
-            <a:endParaRPr lang="en-US"/>
+            <a:endParaRPr lang="en-US" dirty="0"/>
           </a:p>
         </p:txBody>
       </p:sp>
@@ -855,7 +956,7 @@
           <a:p>
             <a:fld id="{5A473222-A895-5E4E-B614-364561805892}" type="datetimeFigureOut">
               <a:rPr lang="en-US" smtClean="0"/>
-              <a:t>9/12/18</a:t>
+              <a:t>9/13/18</a:t>
             </a:fld>
             <a:endParaRPr lang="en-US"/>
           </a:p>
@@ -906,7 +1007,7 @@
     </p:spTree>
     <p:extLst>
       <p:ext uri="{BB962C8B-B14F-4D97-AF65-F5344CB8AC3E}">
-        <p14:creationId xmlns:p14="http://schemas.microsoft.com/office/powerpoint/2010/main" val="1445399845"/>
+        <p14:creationId xmlns:p14="http://schemas.microsoft.com/office/powerpoint/2010/main" val="546459428"/>
       </p:ext>
     </p:extLst>
   </p:cSld>
@@ -945,8 +1046,8 @@
         </p:nvSpPr>
         <p:spPr>
           <a:xfrm>
-            <a:off x="8724900" y="365125"/>
-            <a:ext cx="2628900" cy="5811838"/>
+            <a:off x="8648700" y="381000"/>
+            <a:ext cx="2476500" cy="5897562"/>
           </a:xfrm>
         </p:spPr>
         <p:txBody>
@@ -957,7 +1058,7 @@
               <a:rPr lang="en-US" smtClean="0"/>
               <a:t>Click to edit Master title style</a:t>
             </a:r>
-            <a:endParaRPr lang="en-US"/>
+            <a:endParaRPr lang="en-US" dirty="0"/>
           </a:p>
         </p:txBody>
       </p:sp>
@@ -973,8 +1074,8 @@
         </p:nvSpPr>
         <p:spPr>
           <a:xfrm>
-            <a:off x="838200" y="365125"/>
-            <a:ext cx="7734300" cy="5811838"/>
+            <a:off x="762000" y="381000"/>
+            <a:ext cx="7734300" cy="5897562"/>
           </a:xfrm>
         </p:spPr>
         <p:txBody>
@@ -1014,7 +1115,7 @@
               <a:rPr lang="en-US" smtClean="0"/>
               <a:t>Fifth level</a:t>
             </a:r>
-            <a:endParaRPr lang="en-US"/>
+            <a:endParaRPr lang="en-US" dirty="0"/>
           </a:p>
         </p:txBody>
       </p:sp>
@@ -1035,7 +1136,7 @@
           <a:p>
             <a:fld id="{5A473222-A895-5E4E-B614-364561805892}" type="datetimeFigureOut">
               <a:rPr lang="en-US" smtClean="0"/>
-              <a:t>9/12/18</a:t>
+              <a:t>9/13/18</a:t>
             </a:fld>
             <a:endParaRPr lang="en-US"/>
           </a:p>
@@ -1086,7 +1187,7 @@
     </p:spTree>
     <p:extLst>
       <p:ext uri="{BB962C8B-B14F-4D97-AF65-F5344CB8AC3E}">
-        <p14:creationId xmlns:p14="http://schemas.microsoft.com/office/powerpoint/2010/main" val="500180051"/>
+        <p14:creationId xmlns:p14="http://schemas.microsoft.com/office/powerpoint/2010/main" val="1703531824"/>
       </p:ext>
     </p:extLst>
   </p:cSld>
@@ -1132,7 +1233,7 @@
               <a:rPr lang="en-US" smtClean="0"/>
               <a:t>Click to edit Master title style</a:t>
             </a:r>
-            <a:endParaRPr lang="en-US"/>
+            <a:endParaRPr lang="en-US" dirty="0"/>
           </a:p>
         </p:txBody>
       </p:sp>
@@ -1184,7 +1285,7 @@
               <a:rPr lang="en-US" smtClean="0"/>
               <a:t>Fifth level</a:t>
             </a:r>
-            <a:endParaRPr lang="en-US"/>
+            <a:endParaRPr lang="en-US" dirty="0"/>
           </a:p>
         </p:txBody>
       </p:sp>
@@ -1205,7 +1306,7 @@
           <a:p>
             <a:fld id="{5A473222-A895-5E4E-B614-364561805892}" type="datetimeFigureOut">
               <a:rPr lang="en-US" smtClean="0"/>
-              <a:t>9/12/18</a:t>
+              <a:t>9/13/18</a:t>
             </a:fld>
             <a:endParaRPr lang="en-US"/>
           </a:p>
@@ -1256,7 +1357,7 @@
     </p:spTree>
     <p:extLst>
       <p:ext uri="{BB962C8B-B14F-4D97-AF65-F5344CB8AC3E}">
-        <p14:creationId xmlns:p14="http://schemas.microsoft.com/office/powerpoint/2010/main" val="466009052"/>
+        <p14:creationId xmlns:p14="http://schemas.microsoft.com/office/powerpoint/2010/main" val="1796137024"/>
       </p:ext>
     </p:extLst>
   </p:cSld>
@@ -1295,15 +1396,20 @@
         </p:nvSpPr>
         <p:spPr>
           <a:xfrm>
-            <a:off x="831850" y="1709738"/>
-            <a:ext cx="10515600" cy="2852737"/>
+            <a:off x="1261872" y="758952"/>
+            <a:ext cx="9418320" cy="4041648"/>
           </a:xfrm>
         </p:spPr>
         <p:txBody>
-          <a:bodyPr anchor="b"/>
+          <a:bodyPr anchor="b">
+            <a:normAutofit/>
+          </a:bodyPr>
           <a:lstStyle>
             <a:lvl1pPr>
-              <a:defRPr sz="6000"/>
+              <a:lnSpc>
+                <a:spcPct val="85000"/>
+              </a:lnSpc>
+              <a:defRPr sz="7200" b="0"/>
             </a:lvl1pPr>
           </a:lstStyle>
           <a:p>
@@ -1311,7 +1417,7 @@
               <a:rPr lang="en-US" smtClean="0"/>
               <a:t>Click to edit Master title style</a:t>
             </a:r>
-            <a:endParaRPr lang="en-US"/>
+            <a:endParaRPr lang="en-US" dirty="0"/>
           </a:p>
         </p:txBody>
       </p:sp>
@@ -1327,26 +1433,29 @@
         </p:nvSpPr>
         <p:spPr>
           <a:xfrm>
-            <a:off x="831850" y="4589463"/>
-            <a:ext cx="10515600" cy="1500187"/>
+            <a:off x="1261872" y="4800600"/>
+            <a:ext cx="9418320" cy="1691640"/>
           </a:xfrm>
         </p:spPr>
         <p:txBody>
-          <a:bodyPr/>
+          <a:bodyPr anchor="t">
+            <a:normAutofit/>
+          </a:bodyPr>
           <a:lstStyle>
             <a:lvl1pPr marL="0" indent="0">
               <a:buNone/>
-              <a:defRPr sz="2400">
+              <a:defRPr sz="2200">
                 <a:solidFill>
                   <a:schemeClr val="tx1">
-                    <a:tint val="75000"/>
+                    <a:lumMod val="65000"/>
+                    <a:lumOff val="35000"/>
                   </a:schemeClr>
                 </a:solidFill>
               </a:defRPr>
             </a:lvl1pPr>
             <a:lvl2pPr marL="457200" indent="0">
               <a:buNone/>
-              <a:defRPr sz="2000">
+              <a:defRPr sz="1800">
                 <a:solidFill>
                   <a:schemeClr val="tx1">
                     <a:tint val="75000"/>
@@ -1356,7 +1465,7 @@
             </a:lvl2pPr>
             <a:lvl3pPr marL="914400" indent="0">
               <a:buNone/>
-              <a:defRPr sz="1800">
+              <a:defRPr sz="1600">
                 <a:solidFill>
                   <a:schemeClr val="tx1">
                     <a:tint val="75000"/>
@@ -1366,7 +1475,7 @@
             </a:lvl3pPr>
             <a:lvl4pPr marL="1371600" indent="0">
               <a:buNone/>
-              <a:defRPr sz="1600">
+              <a:defRPr sz="1400">
                 <a:solidFill>
                   <a:schemeClr val="tx1">
                     <a:tint val="75000"/>
@@ -1376,7 +1485,7 @@
             </a:lvl4pPr>
             <a:lvl5pPr marL="1828800" indent="0">
               <a:buNone/>
-              <a:defRPr sz="1600">
+              <a:defRPr sz="1400">
                 <a:solidFill>
                   <a:schemeClr val="tx1">
                     <a:tint val="75000"/>
@@ -1386,7 +1495,7 @@
             </a:lvl5pPr>
             <a:lvl6pPr marL="2286000" indent="0">
               <a:buNone/>
-              <a:defRPr sz="1600">
+              <a:defRPr sz="1400">
                 <a:solidFill>
                   <a:schemeClr val="tx1">
                     <a:tint val="75000"/>
@@ -1396,7 +1505,7 @@
             </a:lvl6pPr>
             <a:lvl7pPr marL="2743200" indent="0">
               <a:buNone/>
-              <a:defRPr sz="1600">
+              <a:defRPr sz="1400">
                 <a:solidFill>
                   <a:schemeClr val="tx1">
                     <a:tint val="75000"/>
@@ -1406,7 +1515,7 @@
             </a:lvl7pPr>
             <a:lvl8pPr marL="3200400" indent="0">
               <a:buNone/>
-              <a:defRPr sz="1600">
+              <a:defRPr sz="1400">
                 <a:solidFill>
                   <a:schemeClr val="tx1">
                     <a:tint val="75000"/>
@@ -1416,7 +1525,7 @@
             </a:lvl8pPr>
             <a:lvl9pPr marL="3657600" indent="0">
               <a:buNone/>
-              <a:defRPr sz="1600">
+              <a:defRPr sz="1400">
                 <a:solidFill>
                   <a:schemeClr val="tx1">
                     <a:tint val="75000"/>
@@ -1451,7 +1560,7 @@
           <a:p>
             <a:fld id="{5A473222-A895-5E4E-B614-364561805892}" type="datetimeFigureOut">
               <a:rPr lang="en-US" smtClean="0"/>
-              <a:t>9/12/18</a:t>
+              <a:t>9/13/18</a:t>
             </a:fld>
             <a:endParaRPr lang="en-US"/>
           </a:p>
@@ -1499,10 +1608,48 @@
           </a:p>
         </p:txBody>
       </p:sp>
+      <p:sp>
+        <p:nvSpPr>
+          <p:cNvPr id="7" name="Rectangle 6"/>
+          <p:cNvSpPr/>
+          <p:nvPr/>
+        </p:nvSpPr>
+        <p:spPr>
+          <a:xfrm>
+            <a:off x="0" y="0"/>
+            <a:ext cx="457200" cy="6858000"/>
+          </a:xfrm>
+          <a:prstGeom prst="rect">
+            <a:avLst/>
+          </a:prstGeom>
+          <a:solidFill>
+            <a:schemeClr val="accent1"/>
+          </a:solidFill>
+          <a:ln>
+            <a:noFill/>
+          </a:ln>
+        </p:spPr>
+        <p:style>
+          <a:lnRef idx="2">
+            <a:schemeClr val="accent1">
+              <a:shade val="50000"/>
+            </a:schemeClr>
+          </a:lnRef>
+          <a:fillRef idx="1">
+            <a:schemeClr val="accent1"/>
+          </a:fillRef>
+          <a:effectRef idx="0">
+            <a:schemeClr val="accent1"/>
+          </a:effectRef>
+          <a:fontRef idx="minor">
+            <a:schemeClr val="lt1"/>
+          </a:fontRef>
+        </p:style>
+      </p:sp>
     </p:spTree>
     <p:extLst>
       <p:ext uri="{BB962C8B-B14F-4D97-AF65-F5344CB8AC3E}">
-        <p14:creationId xmlns:p14="http://schemas.microsoft.com/office/powerpoint/2010/main" val="1356419561"/>
+        <p14:creationId xmlns:p14="http://schemas.microsoft.com/office/powerpoint/2010/main" val="497336489"/>
       </p:ext>
     </p:extLst>
   </p:cSld>
@@ -1548,7 +1695,7 @@
               <a:rPr lang="en-US" smtClean="0"/>
               <a:t>Click to edit Master title style</a:t>
             </a:r>
-            <a:endParaRPr lang="en-US"/>
+            <a:endParaRPr lang="en-US" dirty="0"/>
           </a:p>
         </p:txBody>
       </p:sp>
@@ -1564,13 +1711,41 @@
         </p:nvSpPr>
         <p:spPr>
           <a:xfrm>
-            <a:off x="838200" y="1825625"/>
-            <a:ext cx="5181600" cy="4351338"/>
+            <a:off x="1261872" y="1828800"/>
+            <a:ext cx="4480560" cy="4351337"/>
           </a:xfrm>
         </p:spPr>
         <p:txBody>
           <a:bodyPr/>
-          <a:lstStyle/>
+          <a:lstStyle>
+            <a:lvl1pPr>
+              <a:defRPr sz="1800"/>
+            </a:lvl1pPr>
+            <a:lvl2pPr>
+              <a:defRPr sz="1600"/>
+            </a:lvl2pPr>
+            <a:lvl3pPr>
+              <a:defRPr sz="1400"/>
+            </a:lvl3pPr>
+            <a:lvl4pPr>
+              <a:defRPr sz="1400"/>
+            </a:lvl4pPr>
+            <a:lvl5pPr>
+              <a:defRPr sz="1400"/>
+            </a:lvl5pPr>
+            <a:lvl6pPr>
+              <a:defRPr sz="1400"/>
+            </a:lvl6pPr>
+            <a:lvl7pPr>
+              <a:defRPr sz="1400"/>
+            </a:lvl7pPr>
+            <a:lvl8pPr>
+              <a:defRPr sz="1400"/>
+            </a:lvl8pPr>
+            <a:lvl9pPr>
+              <a:defRPr sz="1400"/>
+            </a:lvl9pPr>
+          </a:lstStyle>
           <a:p>
             <a:pPr lvl="0"/>
             <a:r>
@@ -1605,7 +1780,7 @@
               <a:rPr lang="en-US" smtClean="0"/>
               <a:t>Fifth level</a:t>
             </a:r>
-            <a:endParaRPr lang="en-US"/>
+            <a:endParaRPr lang="en-US" dirty="0"/>
           </a:p>
         </p:txBody>
       </p:sp>
@@ -1621,13 +1796,41 @@
         </p:nvSpPr>
         <p:spPr>
           <a:xfrm>
-            <a:off x="6172200" y="1825625"/>
-            <a:ext cx="5181600" cy="4351338"/>
+            <a:off x="6126480" y="1828800"/>
+            <a:ext cx="4480560" cy="4351337"/>
           </a:xfrm>
         </p:spPr>
         <p:txBody>
           <a:bodyPr/>
-          <a:lstStyle/>
+          <a:lstStyle>
+            <a:lvl1pPr>
+              <a:defRPr sz="1800"/>
+            </a:lvl1pPr>
+            <a:lvl2pPr>
+              <a:defRPr sz="1600"/>
+            </a:lvl2pPr>
+            <a:lvl3pPr>
+              <a:defRPr sz="1400"/>
+            </a:lvl3pPr>
+            <a:lvl4pPr>
+              <a:defRPr sz="1400"/>
+            </a:lvl4pPr>
+            <a:lvl5pPr>
+              <a:defRPr sz="1400"/>
+            </a:lvl5pPr>
+            <a:lvl6pPr>
+              <a:defRPr sz="1400"/>
+            </a:lvl6pPr>
+            <a:lvl7pPr>
+              <a:defRPr sz="1400"/>
+            </a:lvl7pPr>
+            <a:lvl8pPr>
+              <a:defRPr sz="1400"/>
+            </a:lvl8pPr>
+            <a:lvl9pPr>
+              <a:defRPr sz="1400"/>
+            </a:lvl9pPr>
+          </a:lstStyle>
           <a:p>
             <a:pPr lvl="0"/>
             <a:r>
@@ -1662,7 +1865,7 @@
               <a:rPr lang="en-US" smtClean="0"/>
               <a:t>Fifth level</a:t>
             </a:r>
-            <a:endParaRPr lang="en-US"/>
+            <a:endParaRPr lang="en-US" dirty="0"/>
           </a:p>
         </p:txBody>
       </p:sp>
@@ -1683,7 +1886,7 @@
           <a:p>
             <a:fld id="{5A473222-A895-5E4E-B614-364561805892}" type="datetimeFigureOut">
               <a:rPr lang="en-US" smtClean="0"/>
-              <a:t>9/12/18</a:t>
+              <a:t>9/13/18</a:t>
             </a:fld>
             <a:endParaRPr lang="en-US"/>
           </a:p>
@@ -1734,7 +1937,7 @@
     </p:spTree>
     <p:extLst>
       <p:ext uri="{BB962C8B-B14F-4D97-AF65-F5344CB8AC3E}">
-        <p14:creationId xmlns:p14="http://schemas.microsoft.com/office/powerpoint/2010/main" val="1804648822"/>
+        <p14:creationId xmlns:p14="http://schemas.microsoft.com/office/powerpoint/2010/main" val="728016499"/>
       </p:ext>
     </p:extLst>
   </p:cSld>
@@ -1763,54 +1966,58 @@
       </p:grpSpPr>
       <p:sp>
         <p:nvSpPr>
-          <p:cNvPr id="2" name="Title 1"/>
+          <p:cNvPr id="10" name="Title 9"/>
           <p:cNvSpPr>
             <a:spLocks noGrp="1"/>
           </p:cNvSpPr>
           <p:nvPr>
             <p:ph type="title"/>
+          </p:nvPr>
+        </p:nvSpPr>
+        <p:spPr/>
+        <p:txBody>
+          <a:bodyPr/>
+          <a:lstStyle/>
+          <a:p>
+            <a:r>
+              <a:rPr lang="en-US" smtClean="0"/>
+              <a:t>Click to edit Master title style</a:t>
+            </a:r>
+            <a:endParaRPr lang="en-US" dirty="0"/>
+          </a:p>
+        </p:txBody>
+      </p:sp>
+      <p:sp>
+        <p:nvSpPr>
+          <p:cNvPr id="3" name="Text Placeholder 2"/>
+          <p:cNvSpPr>
+            <a:spLocks noGrp="1"/>
+          </p:cNvSpPr>
+          <p:nvPr>
+            <p:ph type="body" idx="1"/>
           </p:nvPr>
         </p:nvSpPr>
         <p:spPr>
           <a:xfrm>
-            <a:off x="839788" y="365125"/>
-            <a:ext cx="10515600" cy="1325563"/>
+            <a:off x="1261872" y="1713655"/>
+            <a:ext cx="4480560" cy="731520"/>
           </a:xfrm>
         </p:spPr>
         <p:txBody>
-          <a:bodyPr/>
-          <a:lstStyle/>
-          <a:p>
-            <a:r>
-              <a:rPr lang="en-US" smtClean="0"/>
-              <a:t>Click to edit Master title style</a:t>
-            </a:r>
-            <a:endParaRPr lang="en-US"/>
-          </a:p>
-        </p:txBody>
-      </p:sp>
-      <p:sp>
-        <p:nvSpPr>
-          <p:cNvPr id="3" name="Text Placeholder 2"/>
-          <p:cNvSpPr>
-            <a:spLocks noGrp="1"/>
-          </p:cNvSpPr>
-          <p:nvPr>
-            <p:ph type="body" idx="1"/>
-          </p:nvPr>
-        </p:nvSpPr>
-        <p:spPr>
-          <a:xfrm>
-            <a:off x="839788" y="1681163"/>
-            <a:ext cx="5157787" cy="823912"/>
-          </a:xfrm>
-        </p:spPr>
-        <p:txBody>
-          <a:bodyPr anchor="b"/>
+          <a:bodyPr anchor="b">
+            <a:normAutofit/>
+          </a:bodyPr>
           <a:lstStyle>
             <a:lvl1pPr marL="0" indent="0">
+              <a:spcBef>
+                <a:spcPts val="0"/>
+              </a:spcBef>
               <a:buNone/>
-              <a:defRPr sz="2400" b="1"/>
+              <a:defRPr sz="2000" b="0">
+                <a:solidFill>
+                  <a:schemeClr val="tx2"/>
+                </a:solidFill>
+              </a:defRPr>
             </a:lvl1pPr>
             <a:lvl2pPr marL="457200" indent="0">
               <a:buNone/>
@@ -1866,13 +2073,41 @@
         </p:nvSpPr>
         <p:spPr>
           <a:xfrm>
-            <a:off x="839788" y="2505075"/>
-            <a:ext cx="5157787" cy="3684588"/>
+            <a:off x="1261872" y="2507550"/>
+            <a:ext cx="4480560" cy="3664650"/>
           </a:xfrm>
         </p:spPr>
         <p:txBody>
           <a:bodyPr/>
-          <a:lstStyle/>
+          <a:lstStyle>
+            <a:lvl1pPr>
+              <a:defRPr sz="1800"/>
+            </a:lvl1pPr>
+            <a:lvl2pPr>
+              <a:defRPr sz="1600"/>
+            </a:lvl2pPr>
+            <a:lvl3pPr>
+              <a:defRPr sz="1400"/>
+            </a:lvl3pPr>
+            <a:lvl4pPr>
+              <a:defRPr sz="1400"/>
+            </a:lvl4pPr>
+            <a:lvl5pPr>
+              <a:defRPr sz="1400"/>
+            </a:lvl5pPr>
+            <a:lvl6pPr>
+              <a:defRPr sz="1400"/>
+            </a:lvl6pPr>
+            <a:lvl7pPr>
+              <a:defRPr sz="1400"/>
+            </a:lvl7pPr>
+            <a:lvl8pPr>
+              <a:defRPr sz="1400"/>
+            </a:lvl8pPr>
+            <a:lvl9pPr>
+              <a:defRPr sz="1400"/>
+            </a:lvl9pPr>
+          </a:lstStyle>
           <a:p>
             <a:pPr lvl="0"/>
             <a:r>
@@ -1907,7 +2142,7 @@
               <a:rPr lang="en-US" smtClean="0"/>
               <a:t>Fifth level</a:t>
             </a:r>
-            <a:endParaRPr lang="en-US"/>
+            <a:endParaRPr lang="en-US" dirty="0"/>
           </a:p>
         </p:txBody>
       </p:sp>
@@ -1923,16 +2158,31 @@
         </p:nvSpPr>
         <p:spPr>
           <a:xfrm>
-            <a:off x="6172200" y="1681163"/>
-            <a:ext cx="5183188" cy="823912"/>
+            <a:off x="6126480" y="1713655"/>
+            <a:ext cx="4480560" cy="731520"/>
           </a:xfrm>
         </p:spPr>
         <p:txBody>
-          <a:bodyPr anchor="b"/>
+          <a:bodyPr anchor="b">
+            <a:normAutofit/>
+          </a:bodyPr>
           <a:lstStyle>
             <a:lvl1pPr marL="0" indent="0">
+              <a:lnSpc>
+                <a:spcPct val="95000"/>
+              </a:lnSpc>
+              <a:spcBef>
+                <a:spcPts val="0"/>
+              </a:spcBef>
               <a:buNone/>
-              <a:defRPr sz="2400" b="1"/>
+              <a:defRPr lang="en-US" sz="2000" b="0" kern="1200" dirty="0">
+                <a:solidFill>
+                  <a:schemeClr val="tx2"/>
+                </a:solidFill>
+                <a:latin typeface="+mn-lt"/>
+                <a:ea typeface="+mn-ea"/>
+                <a:cs typeface="+mn-cs"/>
+              </a:defRPr>
             </a:lvl1pPr>
             <a:lvl2pPr marL="457200" indent="0">
               <a:buNone/>
@@ -1968,7 +2218,16 @@
             </a:lvl9pPr>
           </a:lstStyle>
           <a:p>
-            <a:pPr lvl="0"/>
+            <a:pPr marL="0" lvl="0" indent="0" algn="l" defTabSz="914400" rtl="0" eaLnBrk="1" latinLnBrk="0" hangingPunct="1">
+              <a:lnSpc>
+                <a:spcPct val="90000"/>
+              </a:lnSpc>
+              <a:spcBef>
+                <a:spcPts val="2000"/>
+              </a:spcBef>
+              <a:buFontTx/>
+              <a:buNone/>
+            </a:pPr>
             <a:r>
               <a:rPr lang="en-US" smtClean="0"/>
               <a:t>Click to edit Master text styles</a:t>
@@ -1988,13 +2247,41 @@
         </p:nvSpPr>
         <p:spPr>
           <a:xfrm>
-            <a:off x="6172200" y="2505075"/>
-            <a:ext cx="5183188" cy="3684588"/>
+            <a:off x="6126480" y="2507550"/>
+            <a:ext cx="4480560" cy="3664650"/>
           </a:xfrm>
         </p:spPr>
         <p:txBody>
           <a:bodyPr/>
-          <a:lstStyle/>
+          <a:lstStyle>
+            <a:lvl1pPr>
+              <a:defRPr sz="1800"/>
+            </a:lvl1pPr>
+            <a:lvl2pPr>
+              <a:defRPr sz="1600"/>
+            </a:lvl2pPr>
+            <a:lvl3pPr>
+              <a:defRPr sz="1400"/>
+            </a:lvl3pPr>
+            <a:lvl4pPr>
+              <a:defRPr sz="1400"/>
+            </a:lvl4pPr>
+            <a:lvl5pPr>
+              <a:defRPr sz="1400"/>
+            </a:lvl5pPr>
+            <a:lvl6pPr>
+              <a:defRPr sz="1400"/>
+            </a:lvl6pPr>
+            <a:lvl7pPr>
+              <a:defRPr sz="1400"/>
+            </a:lvl7pPr>
+            <a:lvl8pPr>
+              <a:defRPr sz="1400"/>
+            </a:lvl8pPr>
+            <a:lvl9pPr>
+              <a:defRPr sz="1400"/>
+            </a:lvl9pPr>
+          </a:lstStyle>
           <a:p>
             <a:pPr lvl="0"/>
             <a:r>
@@ -2029,7 +2316,7 @@
               <a:rPr lang="en-US" smtClean="0"/>
               <a:t>Fifth level</a:t>
             </a:r>
-            <a:endParaRPr lang="en-US"/>
+            <a:endParaRPr lang="en-US" dirty="0"/>
           </a:p>
         </p:txBody>
       </p:sp>
@@ -2050,7 +2337,7 @@
           <a:p>
             <a:fld id="{5A473222-A895-5E4E-B614-364561805892}" type="datetimeFigureOut">
               <a:rPr lang="en-US" smtClean="0"/>
-              <a:t>9/12/18</a:t>
+              <a:t>9/13/18</a:t>
             </a:fld>
             <a:endParaRPr lang="en-US"/>
           </a:p>
@@ -2101,7 +2388,7 @@
     </p:spTree>
     <p:extLst>
       <p:ext uri="{BB962C8B-B14F-4D97-AF65-F5344CB8AC3E}">
-        <p14:creationId xmlns:p14="http://schemas.microsoft.com/office/powerpoint/2010/main" val="1821204773"/>
+        <p14:creationId xmlns:p14="http://schemas.microsoft.com/office/powerpoint/2010/main" val="1558961734"/>
       </p:ext>
     </p:extLst>
   </p:cSld>
@@ -2130,7 +2417,7 @@
       </p:grpSpPr>
       <p:sp>
         <p:nvSpPr>
-          <p:cNvPr id="2" name="Title 1"/>
+          <p:cNvPr id="6" name="Title 5"/>
           <p:cNvSpPr>
             <a:spLocks noGrp="1"/>
           </p:cNvSpPr>
@@ -2147,7 +2434,7 @@
               <a:rPr lang="en-US" smtClean="0"/>
               <a:t>Click to edit Master title style</a:t>
             </a:r>
-            <a:endParaRPr lang="en-US"/>
+            <a:endParaRPr lang="en-US" dirty="0"/>
           </a:p>
         </p:txBody>
       </p:sp>
@@ -2168,7 +2455,7 @@
           <a:p>
             <a:fld id="{5A473222-A895-5E4E-B614-364561805892}" type="datetimeFigureOut">
               <a:rPr lang="en-US" smtClean="0"/>
-              <a:t>9/12/18</a:t>
+              <a:t>9/13/18</a:t>
             </a:fld>
             <a:endParaRPr lang="en-US"/>
           </a:p>
@@ -2219,7 +2506,7 @@
     </p:spTree>
     <p:extLst>
       <p:ext uri="{BB962C8B-B14F-4D97-AF65-F5344CB8AC3E}">
-        <p14:creationId xmlns:p14="http://schemas.microsoft.com/office/powerpoint/2010/main" val="904199120"/>
+        <p14:creationId xmlns:p14="http://schemas.microsoft.com/office/powerpoint/2010/main" val="21886291"/>
       </p:ext>
     </p:extLst>
   </p:cSld>
@@ -2263,7 +2550,7 @@
           <a:p>
             <a:fld id="{5A473222-A895-5E4E-B614-364561805892}" type="datetimeFigureOut">
               <a:rPr lang="en-US" smtClean="0"/>
-              <a:t>9/12/18</a:t>
+              <a:t>9/13/18</a:t>
             </a:fld>
             <a:endParaRPr lang="en-US"/>
           </a:p>
@@ -2314,7 +2601,7 @@
     </p:spTree>
     <p:extLst>
       <p:ext uri="{BB962C8B-B14F-4D97-AF65-F5344CB8AC3E}">
-        <p14:creationId xmlns:p14="http://schemas.microsoft.com/office/powerpoint/2010/main" val="1280323668"/>
+        <p14:creationId xmlns:p14="http://schemas.microsoft.com/office/powerpoint/2010/main" val="623189200"/>
       </p:ext>
     </p:extLst>
   </p:cSld>
@@ -2353,15 +2640,17 @@
         </p:nvSpPr>
         <p:spPr>
           <a:xfrm>
-            <a:off x="839788" y="457200"/>
-            <a:ext cx="3932237" cy="1600200"/>
+            <a:off x="841248" y="457200"/>
+            <a:ext cx="3200400" cy="1600197"/>
           </a:xfrm>
         </p:spPr>
         <p:txBody>
-          <a:bodyPr anchor="b"/>
+          <a:bodyPr anchor="b">
+            <a:normAutofit/>
+          </a:bodyPr>
           <a:lstStyle>
             <a:lvl1pPr>
-              <a:defRPr sz="3200"/>
+              <a:defRPr sz="3200" b="0" baseline="0"/>
             </a:lvl1pPr>
           </a:lstStyle>
           <a:p>
@@ -2369,7 +2658,7 @@
               <a:rPr lang="en-US" smtClean="0"/>
               <a:t>Click to edit Master title style</a:t>
             </a:r>
-            <a:endParaRPr lang="en-US"/>
+            <a:endParaRPr lang="en-US" dirty="0"/>
           </a:p>
         </p:txBody>
       </p:sp>
@@ -2385,39 +2674,39 @@
         </p:nvSpPr>
         <p:spPr>
           <a:xfrm>
-            <a:off x="5183188" y="987425"/>
-            <a:ext cx="6172200" cy="4873625"/>
+            <a:off x="4504267" y="685800"/>
+            <a:ext cx="6079066" cy="5486400"/>
           </a:xfrm>
         </p:spPr>
         <p:txBody>
           <a:bodyPr/>
           <a:lstStyle>
             <a:lvl1pPr>
-              <a:defRPr sz="3200"/>
+              <a:defRPr sz="2000"/>
             </a:lvl1pPr>
             <a:lvl2pPr>
-              <a:defRPr sz="2800"/>
+              <a:defRPr sz="1800"/>
             </a:lvl2pPr>
             <a:lvl3pPr>
-              <a:defRPr sz="2400"/>
+              <a:defRPr sz="1600"/>
             </a:lvl3pPr>
             <a:lvl4pPr>
-              <a:defRPr sz="2000"/>
+              <a:defRPr sz="1400"/>
             </a:lvl4pPr>
             <a:lvl5pPr>
-              <a:defRPr sz="2000"/>
+              <a:defRPr sz="1400"/>
             </a:lvl5pPr>
             <a:lvl6pPr>
-              <a:defRPr sz="2000"/>
+              <a:defRPr sz="1400"/>
             </a:lvl6pPr>
             <a:lvl7pPr>
-              <a:defRPr sz="2000"/>
+              <a:defRPr sz="1400"/>
             </a:lvl7pPr>
             <a:lvl8pPr>
-              <a:defRPr sz="2000"/>
+              <a:defRPr sz="1400"/>
             </a:lvl8pPr>
             <a:lvl9pPr>
-              <a:defRPr sz="2000"/>
+              <a:defRPr sz="1400"/>
             </a:lvl9pPr>
           </a:lstStyle>
           <a:p>
@@ -2454,7 +2743,7 @@
               <a:rPr lang="en-US" smtClean="0"/>
               <a:t>Fifth level</a:t>
             </a:r>
-            <a:endParaRPr lang="en-US"/>
+            <a:endParaRPr lang="en-US" dirty="0"/>
           </a:p>
         </p:txBody>
       </p:sp>
@@ -2470,48 +2759,56 @@
         </p:nvSpPr>
         <p:spPr>
           <a:xfrm>
-            <a:off x="839788" y="2057400"/>
-            <a:ext cx="3932237" cy="3811588"/>
+            <a:off x="841248" y="2099734"/>
+            <a:ext cx="3200400" cy="3810001"/>
           </a:xfrm>
         </p:spPr>
         <p:txBody>
-          <a:bodyPr/>
+          <a:bodyPr>
+            <a:normAutofit/>
+          </a:bodyPr>
           <a:lstStyle>
             <a:lvl1pPr marL="0" indent="0">
+              <a:lnSpc>
+                <a:spcPct val="114000"/>
+              </a:lnSpc>
+              <a:spcBef>
+                <a:spcPts val="800"/>
+              </a:spcBef>
               <a:buNone/>
-              <a:defRPr sz="1600"/>
+              <a:defRPr sz="1300"/>
             </a:lvl1pPr>
             <a:lvl2pPr marL="457200" indent="0">
               <a:buNone/>
-              <a:defRPr sz="1400"/>
+              <a:defRPr sz="1200"/>
             </a:lvl2pPr>
             <a:lvl3pPr marL="914400" indent="0">
               <a:buNone/>
-              <a:defRPr sz="1200"/>
+              <a:defRPr sz="1000"/>
             </a:lvl3pPr>
             <a:lvl4pPr marL="1371600" indent="0">
               <a:buNone/>
-              <a:defRPr sz="1000"/>
+              <a:defRPr sz="900"/>
             </a:lvl4pPr>
             <a:lvl5pPr marL="1828800" indent="0">
               <a:buNone/>
-              <a:defRPr sz="1000"/>
+              <a:defRPr sz="900"/>
             </a:lvl5pPr>
             <a:lvl6pPr marL="2286000" indent="0">
               <a:buNone/>
-              <a:defRPr sz="1000"/>
+              <a:defRPr sz="900"/>
             </a:lvl6pPr>
             <a:lvl7pPr marL="2743200" indent="0">
               <a:buNone/>
-              <a:defRPr sz="1000"/>
+              <a:defRPr sz="900"/>
             </a:lvl7pPr>
             <a:lvl8pPr marL="3200400" indent="0">
               <a:buNone/>
-              <a:defRPr sz="1000"/>
+              <a:defRPr sz="900"/>
             </a:lvl8pPr>
             <a:lvl9pPr marL="3657600" indent="0">
               <a:buNone/>
-              <a:defRPr sz="1000"/>
+              <a:defRPr sz="900"/>
             </a:lvl9pPr>
           </a:lstStyle>
           <a:p>
@@ -2540,7 +2837,7 @@
           <a:p>
             <a:fld id="{5A473222-A895-5E4E-B614-364561805892}" type="datetimeFigureOut">
               <a:rPr lang="en-US" smtClean="0"/>
-              <a:t>9/12/18</a:t>
+              <a:t>9/13/18</a:t>
             </a:fld>
             <a:endParaRPr lang="en-US"/>
           </a:p>
@@ -2591,7 +2888,7 @@
     </p:spTree>
     <p:extLst>
       <p:ext uri="{BB962C8B-B14F-4D97-AF65-F5344CB8AC3E}">
-        <p14:creationId xmlns:p14="http://schemas.microsoft.com/office/powerpoint/2010/main" val="613745136"/>
+        <p14:creationId xmlns:p14="http://schemas.microsoft.com/office/powerpoint/2010/main" val="663137981"/>
       </p:ext>
     </p:extLst>
   </p:cSld>
@@ -2620,25 +2917,69 @@
       </p:grpSpPr>
       <p:sp>
         <p:nvSpPr>
-          <p:cNvPr id="2" name="Title 1"/>
-          <p:cNvSpPr>
-            <a:spLocks noGrp="1"/>
-          </p:cNvSpPr>
-          <p:nvPr>
-            <p:ph type="title"/>
-          </p:nvPr>
+          <p:cNvPr id="8" name="Rectangle 7"/>
+          <p:cNvSpPr/>
+          <p:nvPr/>
         </p:nvSpPr>
         <p:spPr>
           <a:xfrm>
-            <a:off x="839788" y="457200"/>
-            <a:ext cx="3932237" cy="1600200"/>
+            <a:off x="0" y="5105400"/>
+            <a:ext cx="11292840" cy="1752600"/>
+          </a:xfrm>
+          <a:prstGeom prst="rect">
+            <a:avLst/>
+          </a:prstGeom>
+          <a:solidFill>
+            <a:srgbClr val="000000"/>
+          </a:solidFill>
+          <a:ln>
+            <a:noFill/>
+          </a:ln>
+        </p:spPr>
+        <p:style>
+          <a:lnRef idx="2">
+            <a:schemeClr val="accent1">
+              <a:shade val="50000"/>
+            </a:schemeClr>
+          </a:lnRef>
+          <a:fillRef idx="1">
+            <a:schemeClr val="accent1"/>
+          </a:fillRef>
+          <a:effectRef idx="0">
+            <a:schemeClr val="accent1"/>
+          </a:effectRef>
+          <a:fontRef idx="minor">
+            <a:schemeClr val="lt1"/>
+          </a:fontRef>
+        </p:style>
+      </p:sp>
+      <p:sp>
+        <p:nvSpPr>
+          <p:cNvPr id="2" name="Title 1"/>
+          <p:cNvSpPr>
+            <a:spLocks noGrp="1"/>
+          </p:cNvSpPr>
+          <p:nvPr>
+            <p:ph type="title"/>
+          </p:nvPr>
+        </p:nvSpPr>
+        <p:spPr>
+          <a:xfrm>
+            <a:off x="914400" y="5257800"/>
+            <a:ext cx="9982200" cy="914400"/>
           </a:xfrm>
         </p:spPr>
         <p:txBody>
-          <a:bodyPr anchor="b"/>
+          <a:bodyPr anchor="b">
+            <a:normAutofit/>
+          </a:bodyPr>
           <a:lstStyle>
             <a:lvl1pPr>
-              <a:defRPr sz="3200"/>
+              <a:defRPr sz="2800" b="0">
+                <a:solidFill>
+                  <a:schemeClr val="bg1"/>
+                </a:solidFill>
+              </a:defRPr>
             </a:lvl1pPr>
           </a:lstStyle>
           <a:p>
@@ -2646,7 +2987,7 @@
               <a:rPr lang="en-US" smtClean="0"/>
               <a:t>Click to edit Master title style</a:t>
             </a:r>
-            <a:endParaRPr lang="en-US"/>
+            <a:endParaRPr lang="en-US" dirty="0"/>
           </a:p>
         </p:txBody>
       </p:sp>
@@ -2654,7 +2995,7 @@
         <p:nvSpPr>
           <p:cNvPr id="3" name="Picture Placeholder 2"/>
           <p:cNvSpPr>
-            <a:spLocks noGrp="1"/>
+            <a:spLocks noGrp="1" noChangeAspect="1"/>
           </p:cNvSpPr>
           <p:nvPr>
             <p:ph type="pic" idx="1"/>
@@ -2662,16 +3003,26 @@
         </p:nvSpPr>
         <p:spPr>
           <a:xfrm>
-            <a:off x="5183188" y="987425"/>
-            <a:ext cx="6172200" cy="4873625"/>
+            <a:off x="0" y="0"/>
+            <a:ext cx="11292840" cy="5128923"/>
           </a:xfrm>
+          <a:blipFill>
+            <a:blip r:embed="rId2"/>
+            <a:stretch>
+              <a:fillRect/>
+            </a:stretch>
+          </a:blipFill>
         </p:spPr>
         <p:txBody>
-          <a:bodyPr/>
+          <a:bodyPr anchor="t"/>
           <a:lstStyle>
             <a:lvl1pPr marL="0" indent="0">
               <a:buNone/>
-              <a:defRPr sz="3200"/>
+              <a:defRPr sz="3200">
+                <a:solidFill>
+                  <a:schemeClr val="bg1"/>
+                </a:solidFill>
+              </a:defRPr>
             </a:lvl1pPr>
             <a:lvl2pPr marL="457200" indent="0">
               <a:buNone/>
@@ -2707,7 +3058,11 @@
             </a:lvl9pPr>
           </a:lstStyle>
           <a:p>
-            <a:endParaRPr lang="en-US"/>
+            <a:r>
+              <a:rPr lang="en-US" smtClean="0"/>
+              <a:t>Drag picture to placeholder or click icon to add</a:t>
+            </a:r>
+            <a:endParaRPr lang="en-US" dirty="0"/>
           </a:p>
         </p:txBody>
       </p:sp>
@@ -2723,48 +3078,62 @@
         </p:nvSpPr>
         <p:spPr>
           <a:xfrm>
-            <a:off x="839788" y="2057400"/>
-            <a:ext cx="3932237" cy="3811588"/>
+            <a:off x="914400" y="6108589"/>
+            <a:ext cx="9982200" cy="597011"/>
           </a:xfrm>
         </p:spPr>
         <p:txBody>
-          <a:bodyPr/>
+          <a:bodyPr>
+            <a:normAutofit/>
+          </a:bodyPr>
           <a:lstStyle>
             <a:lvl1pPr marL="0" indent="0">
+              <a:lnSpc>
+                <a:spcPct val="100000"/>
+              </a:lnSpc>
+              <a:spcBef>
+                <a:spcPts val="800"/>
+              </a:spcBef>
               <a:buNone/>
-              <a:defRPr sz="1600"/>
+              <a:defRPr sz="1300">
+                <a:solidFill>
+                  <a:schemeClr val="bg1">
+                    <a:lumMod val="85000"/>
+                  </a:schemeClr>
+                </a:solidFill>
+              </a:defRPr>
             </a:lvl1pPr>
             <a:lvl2pPr marL="457200" indent="0">
               <a:buNone/>
-              <a:defRPr sz="1400"/>
+              <a:defRPr sz="1200"/>
             </a:lvl2pPr>
             <a:lvl3pPr marL="914400" indent="0">
               <a:buNone/>
-              <a:defRPr sz="1200"/>
+              <a:defRPr sz="1000"/>
             </a:lvl3pPr>
             <a:lvl4pPr marL="1371600" indent="0">
               <a:buNone/>
-              <a:defRPr sz="1000"/>
+              <a:defRPr sz="900"/>
             </a:lvl4pPr>
             <a:lvl5pPr marL="1828800" indent="0">
               <a:buNone/>
-              <a:defRPr sz="1000"/>
+              <a:defRPr sz="900"/>
             </a:lvl5pPr>
             <a:lvl6pPr marL="2286000" indent="0">
               <a:buNone/>
-              <a:defRPr sz="1000"/>
+              <a:defRPr sz="900"/>
             </a:lvl6pPr>
             <a:lvl7pPr marL="2743200" indent="0">
               <a:buNone/>
-              <a:defRPr sz="1000"/>
+              <a:defRPr sz="900"/>
             </a:lvl7pPr>
             <a:lvl8pPr marL="3200400" indent="0">
               <a:buNone/>
-              <a:defRPr sz="1000"/>
+              <a:defRPr sz="900"/>
             </a:lvl8pPr>
             <a:lvl9pPr marL="3657600" indent="0">
               <a:buNone/>
-              <a:defRPr sz="1000"/>
+              <a:defRPr sz="900"/>
             </a:lvl9pPr>
           </a:lstStyle>
           <a:p>
@@ -2793,7 +3162,7 @@
           <a:p>
             <a:fld id="{5A473222-A895-5E4E-B614-364561805892}" type="datetimeFigureOut">
               <a:rPr lang="en-US" smtClean="0"/>
-              <a:t>9/12/18</a:t>
+              <a:t>9/13/18</a:t>
             </a:fld>
             <a:endParaRPr lang="en-US"/>
           </a:p>
@@ -2814,7 +3183,12 @@
           <a:bodyPr/>
           <a:lstStyle/>
           <a:p>
-            <a:endParaRPr lang="en-US"/>
+            <a:r>
+              <a:rPr lang="en-US" smtClean="0"/>
+              <a:t>
+              </a:t>
+            </a:r>
+            <a:endParaRPr lang="en-US" dirty="0"/>
           </a:p>
         </p:txBody>
       </p:sp>
@@ -2844,7 +3218,7 @@
     </p:spTree>
     <p:extLst>
       <p:ext uri="{BB962C8B-B14F-4D97-AF65-F5344CB8AC3E}">
-        <p14:creationId xmlns:p14="http://schemas.microsoft.com/office/powerpoint/2010/main" val="850544211"/>
+        <p14:creationId xmlns:p14="http://schemas.microsoft.com/office/powerpoint/2010/main" val="2067402384"/>
       </p:ext>
     </p:extLst>
   </p:cSld>
@@ -2878,25 +3252,65 @@
       </p:grpSpPr>
       <p:sp>
         <p:nvSpPr>
-          <p:cNvPr id="2" name="Title Placeholder 1"/>
-          <p:cNvSpPr>
-            <a:spLocks noGrp="1"/>
-          </p:cNvSpPr>
-          <p:nvPr>
-            <p:ph type="title"/>
-          </p:nvPr>
+          <p:cNvPr id="7" name="Rectangle 6"/>
+          <p:cNvSpPr/>
+          <p:nvPr/>
         </p:nvSpPr>
         <p:spPr>
           <a:xfrm>
-            <a:off x="838200" y="365125"/>
-            <a:ext cx="10515600" cy="1325563"/>
+            <a:off x="11292840" y="0"/>
+            <a:ext cx="914400" cy="6858000"/>
+          </a:xfrm>
+          <a:prstGeom prst="rect">
+            <a:avLst/>
+          </a:prstGeom>
+          <a:solidFill>
+            <a:schemeClr val="tx2">
+              <a:lumMod val="75000"/>
+            </a:schemeClr>
+          </a:solidFill>
+          <a:ln>
+            <a:noFill/>
+          </a:ln>
+        </p:spPr>
+        <p:style>
+          <a:lnRef idx="2">
+            <a:schemeClr val="accent1">
+              <a:shade val="50000"/>
+            </a:schemeClr>
+          </a:lnRef>
+          <a:fillRef idx="1">
+            <a:schemeClr val="accent1"/>
+          </a:fillRef>
+          <a:effectRef idx="0">
+            <a:schemeClr val="accent1"/>
+          </a:effectRef>
+          <a:fontRef idx="minor">
+            <a:schemeClr val="lt1"/>
+          </a:fontRef>
+        </p:style>
+      </p:sp>
+      <p:sp>
+        <p:nvSpPr>
+          <p:cNvPr id="2" name="Title Placeholder 1"/>
+          <p:cNvSpPr>
+            <a:spLocks noGrp="1"/>
+          </p:cNvSpPr>
+          <p:nvPr>
+            <p:ph type="title"/>
+          </p:nvPr>
+        </p:nvSpPr>
+        <p:spPr>
+          <a:xfrm>
+            <a:off x="1261872" y="365760"/>
+            <a:ext cx="9692640" cy="1325562"/>
           </a:xfrm>
           <a:prstGeom prst="rect">
             <a:avLst/>
           </a:prstGeom>
         </p:spPr>
         <p:txBody>
-          <a:bodyPr vert="horz" lIns="91440" tIns="45720" rIns="91440" bIns="45720" rtlCol="0" anchor="ctr">
+          <a:bodyPr vert="horz" lIns="91440" tIns="45720" rIns="91440" bIns="45720" rtlCol="0" anchor="b">
             <a:normAutofit/>
           </a:bodyPr>
           <a:lstStyle/>
@@ -2905,7 +3319,7 @@
               <a:rPr lang="en-US" smtClean="0"/>
               <a:t>Click to edit Master title style</a:t>
             </a:r>
-            <a:endParaRPr lang="en-US"/>
+            <a:endParaRPr lang="en-US" dirty="0"/>
           </a:p>
         </p:txBody>
       </p:sp>
@@ -2921,8 +3335,8 @@
         </p:nvSpPr>
         <p:spPr>
           <a:xfrm>
-            <a:off x="838200" y="1825625"/>
-            <a:ext cx="10515600" cy="4351338"/>
+            <a:off x="1261872" y="1828800"/>
+            <a:ext cx="8595360" cy="4351337"/>
           </a:xfrm>
           <a:prstGeom prst="rect">
             <a:avLst/>
@@ -2967,7 +3381,7 @@
               <a:rPr lang="en-US" smtClean="0"/>
               <a:t>Fifth level</a:t>
             </a:r>
-            <a:endParaRPr lang="en-US"/>
+            <a:endParaRPr lang="en-US" dirty="0"/>
           </a:p>
         </p:txBody>
       </p:sp>
@@ -2982,9 +3396,9 @@
           </p:nvPr>
         </p:nvSpPr>
         <p:spPr>
-          <a:xfrm>
-            <a:off x="838200" y="6356350"/>
-            <a:ext cx="2743200" cy="365125"/>
+          <a:xfrm rot="16200000">
+            <a:off x="10797542" y="998537"/>
+            <a:ext cx="1904999" cy="365125"/>
           </a:xfrm>
           <a:prstGeom prst="rect">
             <a:avLst/>
@@ -2993,11 +3407,12 @@
         <p:txBody>
           <a:bodyPr vert="horz" lIns="91440" tIns="45720" rIns="91440" bIns="45720" rtlCol="0" anchor="ctr"/>
           <a:lstStyle>
-            <a:lvl1pPr algn="l">
-              <a:defRPr sz="1200">
+            <a:lvl1pPr algn="r">
+              <a:defRPr sz="1050" b="0">
                 <a:solidFill>
-                  <a:schemeClr val="tx1">
-                    <a:tint val="75000"/>
+                  <a:schemeClr val="tx2">
+                    <a:lumMod val="20000"/>
+                    <a:lumOff val="80000"/>
                   </a:schemeClr>
                 </a:solidFill>
               </a:defRPr>
@@ -3006,7 +3421,7 @@
           <a:p>
             <a:fld id="{5A473222-A895-5E4E-B614-364561805892}" type="datetimeFigureOut">
               <a:rPr lang="en-US" smtClean="0"/>
-              <a:t>9/12/18</a:t>
+              <a:t>9/13/18</a:t>
             </a:fld>
             <a:endParaRPr lang="en-US"/>
           </a:p>
@@ -3023,9 +3438,9 @@
           </p:nvPr>
         </p:nvSpPr>
         <p:spPr>
-          <a:xfrm>
-            <a:off x="4038600" y="6356350"/>
-            <a:ext cx="4114800" cy="365125"/>
+          <a:xfrm rot="16200000">
+            <a:off x="9959341" y="4046537"/>
+            <a:ext cx="3581400" cy="365125"/>
           </a:xfrm>
           <a:prstGeom prst="rect">
             <a:avLst/>
@@ -3034,11 +3449,12 @@
         <p:txBody>
           <a:bodyPr vert="horz" lIns="91440" tIns="45720" rIns="91440" bIns="45720" rtlCol="0" anchor="ctr"/>
           <a:lstStyle>
-            <a:lvl1pPr algn="ctr">
-              <a:defRPr sz="1200">
+            <a:lvl1pPr algn="l">
+              <a:defRPr sz="1050">
                 <a:solidFill>
-                  <a:schemeClr val="tx1">
-                    <a:tint val="75000"/>
+                  <a:schemeClr val="tx2">
+                    <a:lumMod val="20000"/>
+                    <a:lumOff val="80000"/>
                   </a:schemeClr>
                 </a:solidFill>
               </a:defRPr>
@@ -3061,21 +3477,24 @@
         </p:nvSpPr>
         <p:spPr>
           <a:xfrm>
-            <a:off x="8610600" y="6356350"/>
-            <a:ext cx="2743200" cy="365125"/>
+            <a:off x="11292840" y="6172200"/>
+            <a:ext cx="914400" cy="593725"/>
           </a:xfrm>
           <a:prstGeom prst="rect">
             <a:avLst/>
           </a:prstGeom>
         </p:spPr>
         <p:txBody>
-          <a:bodyPr vert="horz" lIns="91440" tIns="45720" rIns="91440" bIns="45720" rtlCol="0" anchor="ctr"/>
+          <a:bodyPr vert="horz" lIns="45720" tIns="45720" rIns="45720" bIns="45720" rtlCol="0" anchor="ctr">
+            <a:normAutofit/>
+          </a:bodyPr>
           <a:lstStyle>
-            <a:lvl1pPr algn="r">
-              <a:defRPr sz="1200">
+            <a:lvl1pPr algn="ctr">
+              <a:defRPr sz="3600">
                 <a:solidFill>
-                  <a:schemeClr val="tx1">
-                    <a:tint val="75000"/>
+                  <a:schemeClr val="tx2">
+                    <a:lumMod val="60000"/>
+                    <a:lumOff val="40000"/>
                   </a:schemeClr>
                 </a:solidFill>
               </a:defRPr>
@@ -3093,23 +3512,23 @@
     </p:spTree>
     <p:extLst>
       <p:ext uri="{BB962C8B-B14F-4D97-AF65-F5344CB8AC3E}">
-        <p14:creationId xmlns:p14="http://schemas.microsoft.com/office/powerpoint/2010/main" val="1233805520"/>
+        <p14:creationId xmlns:p14="http://schemas.microsoft.com/office/powerpoint/2010/main" val="855469287"/>
       </p:ext>
     </p:extLst>
   </p:cSld>
   <p:clrMap bg1="lt1" tx1="dk1" bg2="lt2" tx2="dk2" accent1="accent1" accent2="accent2" accent3="accent3" accent4="accent4" accent5="accent5" accent6="accent6" hlink="hlink" folHlink="folHlink"/>
   <p:sldLayoutIdLst>
-    <p:sldLayoutId id="2147483649" r:id="rId1"/>
-    <p:sldLayoutId id="2147483650" r:id="rId2"/>
-    <p:sldLayoutId id="2147483651" r:id="rId3"/>
-    <p:sldLayoutId id="2147483652" r:id="rId4"/>
-    <p:sldLayoutId id="2147483653" r:id="rId5"/>
-    <p:sldLayoutId id="2147483654" r:id="rId6"/>
-    <p:sldLayoutId id="2147483655" r:id="rId7"/>
-    <p:sldLayoutId id="2147483656" r:id="rId8"/>
-    <p:sldLayoutId id="2147483657" r:id="rId9"/>
-    <p:sldLayoutId id="2147483658" r:id="rId10"/>
-    <p:sldLayoutId id="2147483659" r:id="rId11"/>
+    <p:sldLayoutId id="2147483828" r:id="rId1"/>
+    <p:sldLayoutId id="2147483829" r:id="rId2"/>
+    <p:sldLayoutId id="2147483830" r:id="rId3"/>
+    <p:sldLayoutId id="2147483831" r:id="rId4"/>
+    <p:sldLayoutId id="2147483832" r:id="rId5"/>
+    <p:sldLayoutId id="2147483833" r:id="rId6"/>
+    <p:sldLayoutId id="2147483834" r:id="rId7"/>
+    <p:sldLayoutId id="2147483835" r:id="rId8"/>
+    <p:sldLayoutId id="2147483836" r:id="rId9"/>
+    <p:sldLayoutId id="2147483837" r:id="rId10"/>
+    <p:sldLayoutId id="2147483838" r:id="rId11"/>
   </p:sldLayoutIdLst>
   <p:txStyles>
     <p:titleStyle>
@@ -3121,7 +3540,7 @@
           <a:spcPct val="0"/>
         </a:spcBef>
         <a:buNone/>
-        <a:defRPr sz="4400" kern="1200">
+        <a:defRPr sz="4400" kern="1200" spc="-50" baseline="0">
           <a:solidFill>
             <a:schemeClr val="tx1"/>
           </a:solidFill>
@@ -3132,16 +3551,23 @@
       </a:lvl1pPr>
     </p:titleStyle>
     <p:bodyStyle>
-      <a:lvl1pPr marL="228600" indent="-228600" algn="l" defTabSz="914400" rtl="0" eaLnBrk="1" latinLnBrk="0" hangingPunct="1">
+      <a:lvl1pPr marL="182880" indent="-182880" algn="l" defTabSz="914400" rtl="0" eaLnBrk="1" latinLnBrk="0" hangingPunct="1">
         <a:lnSpc>
-          <a:spcPct val="90000"/>
+          <a:spcPct val="95000"/>
         </a:lnSpc>
         <a:spcBef>
-          <a:spcPts val="1000"/>
+          <a:spcPts val="1400"/>
         </a:spcBef>
-        <a:buFont typeface="Arial"/>
+        <a:spcAft>
+          <a:spcPts val="200"/>
+        </a:spcAft>
+        <a:buClr>
+          <a:schemeClr val="accent1"/>
+        </a:buClr>
+        <a:buSzPct val="80000"/>
+        <a:buFont typeface="Arial" pitchFamily="34" charset="0"/>
         <a:buChar char="•"/>
-        <a:defRPr sz="2800" kern="1200">
+        <a:defRPr sz="1800" kern="1200" spc="10" baseline="0">
           <a:solidFill>
             <a:schemeClr val="tx1"/>
           </a:solidFill>
@@ -3150,144 +3576,216 @@
           <a:cs typeface="+mn-cs"/>
         </a:defRPr>
       </a:lvl1pPr>
-      <a:lvl2pPr marL="685800" indent="-228600" algn="l" defTabSz="914400" rtl="0" eaLnBrk="1" latinLnBrk="0" hangingPunct="1">
+      <a:lvl2pPr marL="457200" indent="-182880" algn="l" defTabSz="914400" rtl="0" eaLnBrk="1" latinLnBrk="0" hangingPunct="1">
         <a:lnSpc>
           <a:spcPct val="90000"/>
         </a:lnSpc>
         <a:spcBef>
-          <a:spcPts val="500"/>
+          <a:spcPts val="300"/>
         </a:spcBef>
-        <a:buFont typeface="Arial"/>
-        <a:buChar char="•"/>
-        <a:defRPr sz="2400" kern="1200">
+        <a:spcAft>
+          <a:spcPts val="300"/>
+        </a:spcAft>
+        <a:buClr>
+          <a:schemeClr val="accent1"/>
+        </a:buClr>
+        <a:buFont typeface="Wingdings 2" pitchFamily="18" charset="2"/>
+        <a:buChar char=""/>
+        <a:defRPr sz="1600" kern="1200">
           <a:solidFill>
-            <a:schemeClr val="tx1"/>
+            <a:schemeClr val="tx1">
+              <a:lumMod val="85000"/>
+              <a:lumOff val="15000"/>
+            </a:schemeClr>
           </a:solidFill>
           <a:latin typeface="+mn-lt"/>
           <a:ea typeface="+mn-ea"/>
           <a:cs typeface="+mn-cs"/>
         </a:defRPr>
       </a:lvl2pPr>
-      <a:lvl3pPr marL="1143000" indent="-228600" algn="l" defTabSz="914400" rtl="0" eaLnBrk="1" latinLnBrk="0" hangingPunct="1">
+      <a:lvl3pPr marL="731520" indent="-182880" algn="l" defTabSz="914400" rtl="0" eaLnBrk="1" latinLnBrk="0" hangingPunct="1">
         <a:lnSpc>
           <a:spcPct val="90000"/>
         </a:lnSpc>
         <a:spcBef>
-          <a:spcPts val="500"/>
+          <a:spcPts val="300"/>
         </a:spcBef>
-        <a:buFont typeface="Arial"/>
-        <a:buChar char="•"/>
-        <a:defRPr sz="2000" kern="1200">
+        <a:spcAft>
+          <a:spcPts val="300"/>
+        </a:spcAft>
+        <a:buClr>
+          <a:schemeClr val="accent1"/>
+        </a:buClr>
+        <a:buFont typeface="Wingdings 2" pitchFamily="18" charset="2"/>
+        <a:buChar char=""/>
+        <a:defRPr sz="1400" kern="1200">
           <a:solidFill>
-            <a:schemeClr val="tx1"/>
+            <a:schemeClr val="tx1">
+              <a:lumMod val="85000"/>
+              <a:lumOff val="15000"/>
+            </a:schemeClr>
           </a:solidFill>
           <a:latin typeface="+mn-lt"/>
           <a:ea typeface="+mn-ea"/>
           <a:cs typeface="+mn-cs"/>
         </a:defRPr>
       </a:lvl3pPr>
-      <a:lvl4pPr marL="1600200" indent="-228600" algn="l" defTabSz="914400" rtl="0" eaLnBrk="1" latinLnBrk="0" hangingPunct="1">
+      <a:lvl4pPr marL="1005840" indent="-182880" algn="l" defTabSz="914400" rtl="0" eaLnBrk="1" latinLnBrk="0" hangingPunct="1">
         <a:lnSpc>
           <a:spcPct val="90000"/>
         </a:lnSpc>
         <a:spcBef>
-          <a:spcPts val="500"/>
+          <a:spcPts val="300"/>
         </a:spcBef>
-        <a:buFont typeface="Arial"/>
-        <a:buChar char="•"/>
-        <a:defRPr sz="1800" kern="1200">
+        <a:spcAft>
+          <a:spcPts val="300"/>
+        </a:spcAft>
+        <a:buClr>
+          <a:schemeClr val="accent1"/>
+        </a:buClr>
+        <a:buFont typeface="Wingdings 2" pitchFamily="18" charset="2"/>
+        <a:buChar char=""/>
+        <a:defRPr sz="1400" kern="1200">
           <a:solidFill>
-            <a:schemeClr val="tx1"/>
+            <a:schemeClr val="tx1">
+              <a:lumMod val="85000"/>
+              <a:lumOff val="15000"/>
+            </a:schemeClr>
           </a:solidFill>
           <a:latin typeface="+mn-lt"/>
           <a:ea typeface="+mn-ea"/>
           <a:cs typeface="+mn-cs"/>
         </a:defRPr>
       </a:lvl4pPr>
-      <a:lvl5pPr marL="2057400" indent="-228600" algn="l" defTabSz="914400" rtl="0" eaLnBrk="1" latinLnBrk="0" hangingPunct="1">
+      <a:lvl5pPr marL="1280160" indent="-182880" algn="l" defTabSz="914400" rtl="0" eaLnBrk="1" latinLnBrk="0" hangingPunct="1">
         <a:lnSpc>
           <a:spcPct val="90000"/>
         </a:lnSpc>
         <a:spcBef>
-          <a:spcPts val="500"/>
+          <a:spcPts val="300"/>
         </a:spcBef>
-        <a:buFont typeface="Arial"/>
-        <a:buChar char="•"/>
-        <a:defRPr sz="1800" kern="1200">
+        <a:spcAft>
+          <a:spcPts val="300"/>
+        </a:spcAft>
+        <a:buClr>
+          <a:schemeClr val="accent1"/>
+        </a:buClr>
+        <a:buFont typeface="Wingdings 2" pitchFamily="18" charset="2"/>
+        <a:buChar char=""/>
+        <a:defRPr sz="1400" kern="1200">
           <a:solidFill>
-            <a:schemeClr val="tx1"/>
+            <a:schemeClr val="tx1">
+              <a:lumMod val="85000"/>
+              <a:lumOff val="15000"/>
+            </a:schemeClr>
           </a:solidFill>
           <a:latin typeface="+mn-lt"/>
           <a:ea typeface="+mn-ea"/>
           <a:cs typeface="+mn-cs"/>
         </a:defRPr>
       </a:lvl5pPr>
-      <a:lvl6pPr marL="2514600" indent="-228600" algn="l" defTabSz="914400" rtl="0" eaLnBrk="1" latinLnBrk="0" hangingPunct="1">
+      <a:lvl6pPr marL="1600000" indent="-228600" algn="l" defTabSz="914400" rtl="0" eaLnBrk="1" latinLnBrk="0" hangingPunct="1">
         <a:lnSpc>
           <a:spcPct val="90000"/>
         </a:lnSpc>
         <a:spcBef>
-          <a:spcPts val="500"/>
+          <a:spcPts val="300"/>
         </a:spcBef>
-        <a:buFont typeface="Arial"/>
-        <a:buChar char="•"/>
-        <a:defRPr sz="1800" kern="1200">
+        <a:spcAft>
+          <a:spcPts val="300"/>
+        </a:spcAft>
+        <a:buClr>
+          <a:schemeClr val="accent1"/>
+        </a:buClr>
+        <a:buFont typeface="Wingdings 2" pitchFamily="18" charset="2"/>
+        <a:buChar char=""/>
+        <a:defRPr sz="1400" kern="1200">
           <a:solidFill>
-            <a:schemeClr val="tx1"/>
+            <a:schemeClr val="tx1">
+              <a:lumMod val="85000"/>
+              <a:lumOff val="15000"/>
+            </a:schemeClr>
           </a:solidFill>
           <a:latin typeface="+mn-lt"/>
           <a:ea typeface="+mn-ea"/>
           <a:cs typeface="+mn-cs"/>
         </a:defRPr>
       </a:lvl6pPr>
-      <a:lvl7pPr marL="2971800" indent="-228600" algn="l" defTabSz="914400" rtl="0" eaLnBrk="1" latinLnBrk="0" hangingPunct="1">
+      <a:lvl7pPr marL="1900000" indent="-228600" algn="l" defTabSz="914400" rtl="0" eaLnBrk="1" latinLnBrk="0" hangingPunct="1">
         <a:lnSpc>
           <a:spcPct val="90000"/>
         </a:lnSpc>
         <a:spcBef>
-          <a:spcPts val="500"/>
+          <a:spcPts val="300"/>
         </a:spcBef>
-        <a:buFont typeface="Arial"/>
-        <a:buChar char="•"/>
-        <a:defRPr sz="1800" kern="1200">
+        <a:spcAft>
+          <a:spcPts val="300"/>
+        </a:spcAft>
+        <a:buClr>
+          <a:schemeClr val="accent1"/>
+        </a:buClr>
+        <a:buFont typeface="Wingdings 2" pitchFamily="18" charset="2"/>
+        <a:buChar char=""/>
+        <a:defRPr sz="1400" kern="1200">
           <a:solidFill>
-            <a:schemeClr val="tx1"/>
+            <a:schemeClr val="tx1">
+              <a:lumMod val="85000"/>
+              <a:lumOff val="15000"/>
+            </a:schemeClr>
           </a:solidFill>
           <a:latin typeface="+mn-lt"/>
           <a:ea typeface="+mn-ea"/>
           <a:cs typeface="+mn-cs"/>
         </a:defRPr>
       </a:lvl7pPr>
-      <a:lvl8pPr marL="3429000" indent="-228600" algn="l" defTabSz="914400" rtl="0" eaLnBrk="1" latinLnBrk="0" hangingPunct="1">
+      <a:lvl8pPr marL="2200000" indent="-228600" algn="l" defTabSz="914400" rtl="0" eaLnBrk="1" latinLnBrk="0" hangingPunct="1">
         <a:lnSpc>
           <a:spcPct val="90000"/>
         </a:lnSpc>
         <a:spcBef>
-          <a:spcPts val="500"/>
+          <a:spcPts val="300"/>
         </a:spcBef>
-        <a:buFont typeface="Arial"/>
-        <a:buChar char="•"/>
-        <a:defRPr sz="1800" kern="1200">
+        <a:spcAft>
+          <a:spcPts val="300"/>
+        </a:spcAft>
+        <a:buClr>
+          <a:schemeClr val="accent1"/>
+        </a:buClr>
+        <a:buFont typeface="Wingdings 2" pitchFamily="18" charset="2"/>
+        <a:buChar char=""/>
+        <a:defRPr sz="1400" kern="1200">
           <a:solidFill>
-            <a:schemeClr val="tx1"/>
+            <a:schemeClr val="tx1">
+              <a:lumMod val="85000"/>
+              <a:lumOff val="15000"/>
+            </a:schemeClr>
           </a:solidFill>
           <a:latin typeface="+mn-lt"/>
           <a:ea typeface="+mn-ea"/>
           <a:cs typeface="+mn-cs"/>
         </a:defRPr>
       </a:lvl8pPr>
-      <a:lvl9pPr marL="3886200" indent="-228600" algn="l" defTabSz="914400" rtl="0" eaLnBrk="1" latinLnBrk="0" hangingPunct="1">
+      <a:lvl9pPr marL="2500000" indent="-228600" algn="l" defTabSz="914400" rtl="0" eaLnBrk="1" latinLnBrk="0" hangingPunct="1">
         <a:lnSpc>
           <a:spcPct val="90000"/>
         </a:lnSpc>
         <a:spcBef>
-          <a:spcPts val="500"/>
+          <a:spcPts val="300"/>
         </a:spcBef>
-        <a:buFont typeface="Arial"/>
-        <a:buChar char="•"/>
-        <a:defRPr sz="1800" kern="1200">
+        <a:spcAft>
+          <a:spcPts val="300"/>
+        </a:spcAft>
+        <a:buClr>
+          <a:schemeClr val="accent1"/>
+        </a:buClr>
+        <a:buFont typeface="Wingdings 2" pitchFamily="18" charset="2"/>
+        <a:buChar char=""/>
+        <a:defRPr sz="1400" kern="1200">
           <a:solidFill>
-            <a:schemeClr val="tx1"/>
+            <a:schemeClr val="tx1">
+              <a:lumMod val="85000"/>
+              <a:lumOff val="15000"/>
+            </a:schemeClr>
           </a:solidFill>
           <a:latin typeface="+mn-lt"/>
           <a:ea typeface="+mn-ea"/>
@@ -3391,6 +3889,11 @@
       </a:lvl9pPr>
     </p:otherStyle>
   </p:txStyles>
+  <p:extLst>
+    <p:ext uri="{27BBF7A9-308A-43DC-89C8-2F10F3537804}">
+      <p15:sldGuideLst xmlns:p15="http://schemas.microsoft.com/office/powerpoint/2012/main"/>
+    </p:ext>
+  </p:extLst>
 </p:sldMaster>
 </file>
 
@@ -3428,7 +3931,18 @@
           <a:p>
             <a:r>
               <a:rPr lang="en-US" dirty="0" smtClean="0"/>
-              <a:t>Spatial Join</a:t>
+              <a:t>STAT 551</a:t>
+            </a:r>
+            <a:br>
+              <a:rPr lang="en-US" dirty="0" smtClean="0"/>
+            </a:br>
+            <a:r>
+              <a:rPr lang="en-US" dirty="0" smtClean="0"/>
+              <a:t>Spatial </a:t>
+            </a:r>
+            <a:r>
+              <a:rPr lang="en-US" dirty="0" smtClean="0"/>
+              <a:t>Join</a:t>
             </a:r>
             <a:endParaRPr lang="en-US" dirty="0"/>
           </a:p>
@@ -3590,7 +4104,7 @@
         </p:nvSpPr>
         <p:spPr>
           <a:xfrm>
-            <a:off x="5185775" y="2367419"/>
+            <a:off x="5210827" y="1878905"/>
             <a:ext cx="45719" cy="45719"/>
           </a:xfrm>
           <a:prstGeom prst="ellipse">
@@ -3630,7 +4144,7 @@
         </p:nvSpPr>
         <p:spPr>
           <a:xfrm>
-            <a:off x="5173249" y="2555309"/>
+            <a:off x="5198301" y="2066795"/>
             <a:ext cx="45719" cy="45719"/>
           </a:xfrm>
           <a:prstGeom prst="ellipse">
@@ -3670,7 +4184,7 @@
         </p:nvSpPr>
         <p:spPr>
           <a:xfrm>
-            <a:off x="5336087" y="2442575"/>
+            <a:off x="5361139" y="1954061"/>
             <a:ext cx="45719" cy="45719"/>
           </a:xfrm>
           <a:prstGeom prst="ellipse">
@@ -3710,7 +4224,7 @@
         </p:nvSpPr>
         <p:spPr>
           <a:xfrm>
-            <a:off x="5423769" y="2555309"/>
+            <a:off x="5448821" y="2066795"/>
             <a:ext cx="45719" cy="45719"/>
           </a:xfrm>
           <a:prstGeom prst="ellipse">
@@ -3750,7 +4264,7 @@
         </p:nvSpPr>
         <p:spPr>
           <a:xfrm>
-            <a:off x="5686815" y="2367419"/>
+            <a:off x="5711867" y="1878905"/>
             <a:ext cx="45719" cy="45719"/>
           </a:xfrm>
           <a:prstGeom prst="ellipse">
@@ -3790,7 +4304,7 @@
         </p:nvSpPr>
         <p:spPr>
           <a:xfrm>
-            <a:off x="5173249" y="2931089"/>
+            <a:off x="5198301" y="2442575"/>
             <a:ext cx="45719" cy="45719"/>
           </a:xfrm>
           <a:prstGeom prst="ellipse">
@@ -3830,7 +4344,7 @@
         </p:nvSpPr>
         <p:spPr>
           <a:xfrm>
-            <a:off x="5498925" y="2793303"/>
+            <a:off x="5523977" y="2304789"/>
             <a:ext cx="45719" cy="45719"/>
           </a:xfrm>
           <a:prstGeom prst="ellipse">
@@ -3873,7 +4387,7 @@
         </p:nvCxnSpPr>
         <p:spPr>
           <a:xfrm flipV="1">
-            <a:off x="4910203" y="3707704"/>
+            <a:off x="4910203" y="3231716"/>
             <a:ext cx="588722" cy="237995"/>
           </a:xfrm>
           <a:prstGeom prst="line">
@@ -3903,7 +4417,7 @@
         </p:nvCxnSpPr>
         <p:spPr>
           <a:xfrm>
-            <a:off x="5482014" y="3701442"/>
+            <a:off x="5482014" y="3225454"/>
             <a:ext cx="530479" cy="424507"/>
           </a:xfrm>
           <a:prstGeom prst="line">
@@ -3933,7 +4447,7 @@
         </p:nvSpPr>
         <p:spPr>
           <a:xfrm>
-            <a:off x="5761973" y="4672208"/>
+            <a:off x="5805689" y="4262057"/>
             <a:ext cx="513567" cy="815873"/>
           </a:xfrm>
           <a:custGeom>
@@ -4214,6 +4728,565 @@
           </a:p>
         </p:txBody>
       </p:sp>
+      <p:sp>
+        <p:nvSpPr>
+          <p:cNvPr id="11" name="Freeform 10"/>
+          <p:cNvSpPr/>
+          <p:nvPr/>
+        </p:nvSpPr>
+        <p:spPr>
+          <a:xfrm>
+            <a:off x="6526060" y="3933173"/>
+            <a:ext cx="992808" cy="1315232"/>
+          </a:xfrm>
+          <a:custGeom>
+            <a:avLst/>
+            <a:gdLst>
+              <a:gd name="connsiteX0" fmla="*/ 125261 w 992808"/>
+              <a:gd name="connsiteY0" fmla="*/ 789139 h 1315232"/>
+              <a:gd name="connsiteX1" fmla="*/ 125261 w 992808"/>
+              <a:gd name="connsiteY1" fmla="*/ 789139 h 1315232"/>
+              <a:gd name="connsiteX2" fmla="*/ 87682 w 992808"/>
+              <a:gd name="connsiteY2" fmla="*/ 688931 h 1315232"/>
+              <a:gd name="connsiteX3" fmla="*/ 62630 w 992808"/>
+              <a:gd name="connsiteY3" fmla="*/ 651353 h 1315232"/>
+              <a:gd name="connsiteX4" fmla="*/ 37578 w 992808"/>
+              <a:gd name="connsiteY4" fmla="*/ 576197 h 1315232"/>
+              <a:gd name="connsiteX5" fmla="*/ 25052 w 992808"/>
+              <a:gd name="connsiteY5" fmla="*/ 538619 h 1315232"/>
+              <a:gd name="connsiteX6" fmla="*/ 0 w 992808"/>
+              <a:gd name="connsiteY6" fmla="*/ 425885 h 1315232"/>
+              <a:gd name="connsiteX7" fmla="*/ 12526 w 992808"/>
+              <a:gd name="connsiteY7" fmla="*/ 300624 h 1315232"/>
+              <a:gd name="connsiteX8" fmla="*/ 100208 w 992808"/>
+              <a:gd name="connsiteY8" fmla="*/ 263046 h 1315232"/>
+              <a:gd name="connsiteX9" fmla="*/ 288099 w 992808"/>
+              <a:gd name="connsiteY9" fmla="*/ 237994 h 1315232"/>
+              <a:gd name="connsiteX10" fmla="*/ 363255 w 992808"/>
+              <a:gd name="connsiteY10" fmla="*/ 225468 h 1315232"/>
+              <a:gd name="connsiteX11" fmla="*/ 450937 w 992808"/>
+              <a:gd name="connsiteY11" fmla="*/ 212942 h 1315232"/>
+              <a:gd name="connsiteX12" fmla="*/ 526093 w 992808"/>
+              <a:gd name="connsiteY12" fmla="*/ 162838 h 1315232"/>
+              <a:gd name="connsiteX13" fmla="*/ 576198 w 992808"/>
+              <a:gd name="connsiteY13" fmla="*/ 137786 h 1315232"/>
+              <a:gd name="connsiteX14" fmla="*/ 601250 w 992808"/>
+              <a:gd name="connsiteY14" fmla="*/ 100208 h 1315232"/>
+              <a:gd name="connsiteX15" fmla="*/ 713984 w 992808"/>
+              <a:gd name="connsiteY15" fmla="*/ 0 h 1315232"/>
+              <a:gd name="connsiteX16" fmla="*/ 739036 w 992808"/>
+              <a:gd name="connsiteY16" fmla="*/ 37578 h 1315232"/>
+              <a:gd name="connsiteX17" fmla="*/ 751562 w 992808"/>
+              <a:gd name="connsiteY17" fmla="*/ 87682 h 1315232"/>
+              <a:gd name="connsiteX18" fmla="*/ 789140 w 992808"/>
+              <a:gd name="connsiteY18" fmla="*/ 250520 h 1315232"/>
+              <a:gd name="connsiteX19" fmla="*/ 826718 w 992808"/>
+              <a:gd name="connsiteY19" fmla="*/ 338202 h 1315232"/>
+              <a:gd name="connsiteX20" fmla="*/ 814192 w 992808"/>
+              <a:gd name="connsiteY20" fmla="*/ 626301 h 1315232"/>
+              <a:gd name="connsiteX21" fmla="*/ 701458 w 992808"/>
+              <a:gd name="connsiteY21" fmla="*/ 638827 h 1315232"/>
+              <a:gd name="connsiteX22" fmla="*/ 601250 w 992808"/>
+              <a:gd name="connsiteY22" fmla="*/ 613775 h 1315232"/>
+              <a:gd name="connsiteX23" fmla="*/ 513567 w 992808"/>
+              <a:gd name="connsiteY23" fmla="*/ 588723 h 1315232"/>
+              <a:gd name="connsiteX24" fmla="*/ 501041 w 992808"/>
+              <a:gd name="connsiteY24" fmla="*/ 626301 h 1315232"/>
+              <a:gd name="connsiteX25" fmla="*/ 551145 w 992808"/>
+              <a:gd name="connsiteY25" fmla="*/ 688931 h 1315232"/>
+              <a:gd name="connsiteX26" fmla="*/ 651354 w 992808"/>
+              <a:gd name="connsiteY26" fmla="*/ 713983 h 1315232"/>
+              <a:gd name="connsiteX27" fmla="*/ 726510 w 992808"/>
+              <a:gd name="connsiteY27" fmla="*/ 764087 h 1315232"/>
+              <a:gd name="connsiteX28" fmla="*/ 801666 w 992808"/>
+              <a:gd name="connsiteY28" fmla="*/ 814191 h 1315232"/>
+              <a:gd name="connsiteX29" fmla="*/ 839244 w 992808"/>
+              <a:gd name="connsiteY29" fmla="*/ 839243 h 1315232"/>
+              <a:gd name="connsiteX30" fmla="*/ 876822 w 992808"/>
+              <a:gd name="connsiteY30" fmla="*/ 864295 h 1315232"/>
+              <a:gd name="connsiteX31" fmla="*/ 951978 w 992808"/>
+              <a:gd name="connsiteY31" fmla="*/ 901874 h 1315232"/>
+              <a:gd name="connsiteX32" fmla="*/ 977030 w 992808"/>
+              <a:gd name="connsiteY32" fmla="*/ 939452 h 1315232"/>
+              <a:gd name="connsiteX33" fmla="*/ 977030 w 992808"/>
+              <a:gd name="connsiteY33" fmla="*/ 1139868 h 1315232"/>
+              <a:gd name="connsiteX34" fmla="*/ 939452 w 992808"/>
+              <a:gd name="connsiteY34" fmla="*/ 1215024 h 1315232"/>
+              <a:gd name="connsiteX35" fmla="*/ 826718 w 992808"/>
+              <a:gd name="connsiteY35" fmla="*/ 1227550 h 1315232"/>
+              <a:gd name="connsiteX36" fmla="*/ 701458 w 992808"/>
+              <a:gd name="connsiteY36" fmla="*/ 1265128 h 1315232"/>
+              <a:gd name="connsiteX37" fmla="*/ 663880 w 992808"/>
+              <a:gd name="connsiteY37" fmla="*/ 1277654 h 1315232"/>
+              <a:gd name="connsiteX38" fmla="*/ 551145 w 992808"/>
+              <a:gd name="connsiteY38" fmla="*/ 1290180 h 1315232"/>
+              <a:gd name="connsiteX39" fmla="*/ 438411 w 992808"/>
+              <a:gd name="connsiteY39" fmla="*/ 1315232 h 1315232"/>
+              <a:gd name="connsiteX40" fmla="*/ 325677 w 992808"/>
+              <a:gd name="connsiteY40" fmla="*/ 1302706 h 1315232"/>
+              <a:gd name="connsiteX41" fmla="*/ 225469 w 992808"/>
+              <a:gd name="connsiteY41" fmla="*/ 1215024 h 1315232"/>
+              <a:gd name="connsiteX42" fmla="*/ 200417 w 992808"/>
+              <a:gd name="connsiteY42" fmla="*/ 1139868 h 1315232"/>
+              <a:gd name="connsiteX43" fmla="*/ 187891 w 992808"/>
+              <a:gd name="connsiteY43" fmla="*/ 977030 h 1315232"/>
+              <a:gd name="connsiteX44" fmla="*/ 162839 w 992808"/>
+              <a:gd name="connsiteY44" fmla="*/ 901874 h 1315232"/>
+              <a:gd name="connsiteX45" fmla="*/ 150313 w 992808"/>
+              <a:gd name="connsiteY45" fmla="*/ 864295 h 1315232"/>
+              <a:gd name="connsiteX46" fmla="*/ 137787 w 992808"/>
+              <a:gd name="connsiteY46" fmla="*/ 826717 h 1315232"/>
+              <a:gd name="connsiteX47" fmla="*/ 125261 w 992808"/>
+              <a:gd name="connsiteY47" fmla="*/ 789139 h 1315232"/>
+            </a:gdLst>
+            <a:ahLst/>
+            <a:cxnLst>
+              <a:cxn ang="0">
+                <a:pos x="connsiteX0" y="connsiteY0"/>
+              </a:cxn>
+              <a:cxn ang="0">
+                <a:pos x="connsiteX1" y="connsiteY1"/>
+              </a:cxn>
+              <a:cxn ang="0">
+                <a:pos x="connsiteX2" y="connsiteY2"/>
+              </a:cxn>
+              <a:cxn ang="0">
+                <a:pos x="connsiteX3" y="connsiteY3"/>
+              </a:cxn>
+              <a:cxn ang="0">
+                <a:pos x="connsiteX4" y="connsiteY4"/>
+              </a:cxn>
+              <a:cxn ang="0">
+                <a:pos x="connsiteX5" y="connsiteY5"/>
+              </a:cxn>
+              <a:cxn ang="0">
+                <a:pos x="connsiteX6" y="connsiteY6"/>
+              </a:cxn>
+              <a:cxn ang="0">
+                <a:pos x="connsiteX7" y="connsiteY7"/>
+              </a:cxn>
+              <a:cxn ang="0">
+                <a:pos x="connsiteX8" y="connsiteY8"/>
+              </a:cxn>
+              <a:cxn ang="0">
+                <a:pos x="connsiteX9" y="connsiteY9"/>
+              </a:cxn>
+              <a:cxn ang="0">
+                <a:pos x="connsiteX10" y="connsiteY10"/>
+              </a:cxn>
+              <a:cxn ang="0">
+                <a:pos x="connsiteX11" y="connsiteY11"/>
+              </a:cxn>
+              <a:cxn ang="0">
+                <a:pos x="connsiteX12" y="connsiteY12"/>
+              </a:cxn>
+              <a:cxn ang="0">
+                <a:pos x="connsiteX13" y="connsiteY13"/>
+              </a:cxn>
+              <a:cxn ang="0">
+                <a:pos x="connsiteX14" y="connsiteY14"/>
+              </a:cxn>
+              <a:cxn ang="0">
+                <a:pos x="connsiteX15" y="connsiteY15"/>
+              </a:cxn>
+              <a:cxn ang="0">
+                <a:pos x="connsiteX16" y="connsiteY16"/>
+              </a:cxn>
+              <a:cxn ang="0">
+                <a:pos x="connsiteX17" y="connsiteY17"/>
+              </a:cxn>
+              <a:cxn ang="0">
+                <a:pos x="connsiteX18" y="connsiteY18"/>
+              </a:cxn>
+              <a:cxn ang="0">
+                <a:pos x="connsiteX19" y="connsiteY19"/>
+              </a:cxn>
+              <a:cxn ang="0">
+                <a:pos x="connsiteX20" y="connsiteY20"/>
+              </a:cxn>
+              <a:cxn ang="0">
+                <a:pos x="connsiteX21" y="connsiteY21"/>
+              </a:cxn>
+              <a:cxn ang="0">
+                <a:pos x="connsiteX22" y="connsiteY22"/>
+              </a:cxn>
+              <a:cxn ang="0">
+                <a:pos x="connsiteX23" y="connsiteY23"/>
+              </a:cxn>
+              <a:cxn ang="0">
+                <a:pos x="connsiteX24" y="connsiteY24"/>
+              </a:cxn>
+              <a:cxn ang="0">
+                <a:pos x="connsiteX25" y="connsiteY25"/>
+              </a:cxn>
+              <a:cxn ang="0">
+                <a:pos x="connsiteX26" y="connsiteY26"/>
+              </a:cxn>
+              <a:cxn ang="0">
+                <a:pos x="connsiteX27" y="connsiteY27"/>
+              </a:cxn>
+              <a:cxn ang="0">
+                <a:pos x="connsiteX28" y="connsiteY28"/>
+              </a:cxn>
+              <a:cxn ang="0">
+                <a:pos x="connsiteX29" y="connsiteY29"/>
+              </a:cxn>
+              <a:cxn ang="0">
+                <a:pos x="connsiteX30" y="connsiteY30"/>
+              </a:cxn>
+              <a:cxn ang="0">
+                <a:pos x="connsiteX31" y="connsiteY31"/>
+              </a:cxn>
+              <a:cxn ang="0">
+                <a:pos x="connsiteX32" y="connsiteY32"/>
+              </a:cxn>
+              <a:cxn ang="0">
+                <a:pos x="connsiteX33" y="connsiteY33"/>
+              </a:cxn>
+              <a:cxn ang="0">
+                <a:pos x="connsiteX34" y="connsiteY34"/>
+              </a:cxn>
+              <a:cxn ang="0">
+                <a:pos x="connsiteX35" y="connsiteY35"/>
+              </a:cxn>
+              <a:cxn ang="0">
+                <a:pos x="connsiteX36" y="connsiteY36"/>
+              </a:cxn>
+              <a:cxn ang="0">
+                <a:pos x="connsiteX37" y="connsiteY37"/>
+              </a:cxn>
+              <a:cxn ang="0">
+                <a:pos x="connsiteX38" y="connsiteY38"/>
+              </a:cxn>
+              <a:cxn ang="0">
+                <a:pos x="connsiteX39" y="connsiteY39"/>
+              </a:cxn>
+              <a:cxn ang="0">
+                <a:pos x="connsiteX40" y="connsiteY40"/>
+              </a:cxn>
+              <a:cxn ang="0">
+                <a:pos x="connsiteX41" y="connsiteY41"/>
+              </a:cxn>
+              <a:cxn ang="0">
+                <a:pos x="connsiteX42" y="connsiteY42"/>
+              </a:cxn>
+              <a:cxn ang="0">
+                <a:pos x="connsiteX43" y="connsiteY43"/>
+              </a:cxn>
+              <a:cxn ang="0">
+                <a:pos x="connsiteX44" y="connsiteY44"/>
+              </a:cxn>
+              <a:cxn ang="0">
+                <a:pos x="connsiteX45" y="connsiteY45"/>
+              </a:cxn>
+              <a:cxn ang="0">
+                <a:pos x="connsiteX46" y="connsiteY46"/>
+              </a:cxn>
+              <a:cxn ang="0">
+                <a:pos x="connsiteX47" y="connsiteY47"/>
+              </a:cxn>
+            </a:cxnLst>
+            <a:rect l="l" t="t" r="r" b="b"/>
+            <a:pathLst>
+              <a:path w="992808" h="1315232">
+                <a:moveTo>
+                  <a:pt x="125261" y="789139"/>
+                </a:moveTo>
+                <a:lnTo>
+                  <a:pt x="125261" y="789139"/>
+                </a:lnTo>
+                <a:cubicBezTo>
+                  <a:pt x="112735" y="755736"/>
+                  <a:pt x="102444" y="721407"/>
+                  <a:pt x="87682" y="688931"/>
+                </a:cubicBezTo>
+                <a:cubicBezTo>
+                  <a:pt x="81452" y="675226"/>
+                  <a:pt x="68744" y="665110"/>
+                  <a:pt x="62630" y="651353"/>
+                </a:cubicBezTo>
+                <a:cubicBezTo>
+                  <a:pt x="51905" y="627222"/>
+                  <a:pt x="45929" y="601249"/>
+                  <a:pt x="37578" y="576197"/>
+                </a:cubicBezTo>
+                <a:cubicBezTo>
+                  <a:pt x="33403" y="563671"/>
+                  <a:pt x="28254" y="551428"/>
+                  <a:pt x="25052" y="538619"/>
+                </a:cubicBezTo>
+                <a:cubicBezTo>
+                  <a:pt x="7362" y="467861"/>
+                  <a:pt x="15902" y="505396"/>
+                  <a:pt x="0" y="425885"/>
+                </a:cubicBezTo>
+                <a:cubicBezTo>
+                  <a:pt x="4175" y="384131"/>
+                  <a:pt x="-743" y="340433"/>
+                  <a:pt x="12526" y="300624"/>
+                </a:cubicBezTo>
+                <a:cubicBezTo>
+                  <a:pt x="20086" y="277943"/>
+                  <a:pt x="86206" y="265592"/>
+                  <a:pt x="100208" y="263046"/>
+                </a:cubicBezTo>
+                <a:cubicBezTo>
+                  <a:pt x="152264" y="253581"/>
+                  <a:pt x="237210" y="245264"/>
+                  <a:pt x="288099" y="237994"/>
+                </a:cubicBezTo>
+                <a:cubicBezTo>
+                  <a:pt x="313241" y="234402"/>
+                  <a:pt x="338153" y="229330"/>
+                  <a:pt x="363255" y="225468"/>
+                </a:cubicBezTo>
+                <a:cubicBezTo>
+                  <a:pt x="392436" y="220979"/>
+                  <a:pt x="421710" y="217117"/>
+                  <a:pt x="450937" y="212942"/>
+                </a:cubicBezTo>
+                <a:cubicBezTo>
+                  <a:pt x="531548" y="186072"/>
+                  <a:pt x="443991" y="221481"/>
+                  <a:pt x="526093" y="162838"/>
+                </a:cubicBezTo>
+                <a:cubicBezTo>
+                  <a:pt x="541288" y="151985"/>
+                  <a:pt x="559496" y="146137"/>
+                  <a:pt x="576198" y="137786"/>
+                </a:cubicBezTo>
+                <a:cubicBezTo>
+                  <a:pt x="584549" y="125260"/>
+                  <a:pt x="591248" y="111460"/>
+                  <a:pt x="601250" y="100208"/>
+                </a:cubicBezTo>
+                <a:cubicBezTo>
+                  <a:pt x="663651" y="30007"/>
+                  <a:pt x="656871" y="38076"/>
+                  <a:pt x="713984" y="0"/>
+                </a:cubicBezTo>
+                <a:cubicBezTo>
+                  <a:pt x="722335" y="12526"/>
+                  <a:pt x="733106" y="23741"/>
+                  <a:pt x="739036" y="37578"/>
+                </a:cubicBezTo>
+                <a:cubicBezTo>
+                  <a:pt x="745817" y="53401"/>
+                  <a:pt x="747827" y="70877"/>
+                  <a:pt x="751562" y="87682"/>
+                </a:cubicBezTo>
+                <a:cubicBezTo>
+                  <a:pt x="759749" y="124524"/>
+                  <a:pt x="776861" y="225963"/>
+                  <a:pt x="789140" y="250520"/>
+                </a:cubicBezTo>
+                <a:cubicBezTo>
+                  <a:pt x="820097" y="312434"/>
+                  <a:pt x="808287" y="282910"/>
+                  <a:pt x="826718" y="338202"/>
+                </a:cubicBezTo>
+                <a:cubicBezTo>
+                  <a:pt x="822543" y="434235"/>
+                  <a:pt x="829379" y="531385"/>
+                  <a:pt x="814192" y="626301"/>
+                </a:cubicBezTo>
+                <a:cubicBezTo>
+                  <a:pt x="806573" y="673922"/>
+                  <a:pt x="705271" y="639520"/>
+                  <a:pt x="701458" y="638827"/>
+                </a:cubicBezTo>
+                <a:cubicBezTo>
+                  <a:pt x="596405" y="619726"/>
+                  <a:pt x="677306" y="635505"/>
+                  <a:pt x="601250" y="613775"/>
+                </a:cubicBezTo>
+                <a:cubicBezTo>
+                  <a:pt x="491151" y="582318"/>
+                  <a:pt x="603666" y="618756"/>
+                  <a:pt x="513567" y="588723"/>
+                </a:cubicBezTo>
+                <a:cubicBezTo>
+                  <a:pt x="509392" y="601249"/>
+                  <a:pt x="501041" y="613097"/>
+                  <a:pt x="501041" y="626301"/>
+                </a:cubicBezTo>
+                <a:cubicBezTo>
+                  <a:pt x="501041" y="659255"/>
+                  <a:pt x="522291" y="678111"/>
+                  <a:pt x="551145" y="688931"/>
+                </a:cubicBezTo>
+                <a:cubicBezTo>
+                  <a:pt x="585315" y="701745"/>
+                  <a:pt x="619258" y="696152"/>
+                  <a:pt x="651354" y="713983"/>
+                </a:cubicBezTo>
+                <a:cubicBezTo>
+                  <a:pt x="677674" y="728605"/>
+                  <a:pt x="701458" y="747386"/>
+                  <a:pt x="726510" y="764087"/>
+                </a:cubicBezTo>
+                <a:lnTo>
+                  <a:pt x="801666" y="814191"/>
+                </a:lnTo>
+                <a:lnTo>
+                  <a:pt x="839244" y="839243"/>
+                </a:lnTo>
+                <a:cubicBezTo>
+                  <a:pt x="851770" y="847594"/>
+                  <a:pt x="862540" y="859534"/>
+                  <a:pt x="876822" y="864295"/>
+                </a:cubicBezTo>
+                <a:cubicBezTo>
+                  <a:pt x="928682" y="881583"/>
+                  <a:pt x="903414" y="869498"/>
+                  <a:pt x="951978" y="901874"/>
+                </a:cubicBezTo>
+                <a:cubicBezTo>
+                  <a:pt x="960329" y="914400"/>
+                  <a:pt x="970297" y="925987"/>
+                  <a:pt x="977030" y="939452"/>
+                </a:cubicBezTo>
+                <a:cubicBezTo>
+                  <a:pt x="1008104" y="1001599"/>
+                  <a:pt x="985075" y="1075505"/>
+                  <a:pt x="977030" y="1139868"/>
+                </a:cubicBezTo>
+                <a:cubicBezTo>
+                  <a:pt x="975288" y="1153808"/>
+                  <a:pt x="954105" y="1209696"/>
+                  <a:pt x="939452" y="1215024"/>
+                </a:cubicBezTo>
+                <a:cubicBezTo>
+                  <a:pt x="903919" y="1227945"/>
+                  <a:pt x="864296" y="1223375"/>
+                  <a:pt x="826718" y="1227550"/>
+                </a:cubicBezTo>
+                <a:cubicBezTo>
+                  <a:pt x="648115" y="1287084"/>
+                  <a:pt x="833973" y="1227267"/>
+                  <a:pt x="701458" y="1265128"/>
+                </a:cubicBezTo>
+                <a:cubicBezTo>
+                  <a:pt x="688762" y="1268755"/>
+                  <a:pt x="676904" y="1275483"/>
+                  <a:pt x="663880" y="1277654"/>
+                </a:cubicBezTo>
+                <a:cubicBezTo>
+                  <a:pt x="626585" y="1283870"/>
+                  <a:pt x="588723" y="1286005"/>
+                  <a:pt x="551145" y="1290180"/>
+                </a:cubicBezTo>
+                <a:cubicBezTo>
+                  <a:pt x="531821" y="1295011"/>
+                  <a:pt x="454313" y="1315232"/>
+                  <a:pt x="438411" y="1315232"/>
+                </a:cubicBezTo>
+                <a:cubicBezTo>
+                  <a:pt x="400602" y="1315232"/>
+                  <a:pt x="363255" y="1306881"/>
+                  <a:pt x="325677" y="1302706"/>
+                </a:cubicBezTo>
+                <a:cubicBezTo>
+                  <a:pt x="277551" y="1270622"/>
+                  <a:pt x="247444" y="1264469"/>
+                  <a:pt x="225469" y="1215024"/>
+                </a:cubicBezTo>
+                <a:cubicBezTo>
+                  <a:pt x="214744" y="1190893"/>
+                  <a:pt x="200417" y="1139868"/>
+                  <a:pt x="200417" y="1139868"/>
+                </a:cubicBezTo>
+                <a:cubicBezTo>
+                  <a:pt x="196242" y="1085589"/>
+                  <a:pt x="196382" y="1030804"/>
+                  <a:pt x="187891" y="977030"/>
+                </a:cubicBezTo>
+                <a:cubicBezTo>
+                  <a:pt x="183772" y="950946"/>
+                  <a:pt x="171190" y="926926"/>
+                  <a:pt x="162839" y="901874"/>
+                </a:cubicBezTo>
+                <a:lnTo>
+                  <a:pt x="150313" y="864295"/>
+                </a:lnTo>
+                <a:cubicBezTo>
+                  <a:pt x="146138" y="851769"/>
+                  <a:pt x="137787" y="839921"/>
+                  <a:pt x="137787" y="826717"/>
+                </a:cubicBezTo>
+                <a:lnTo>
+                  <a:pt x="125261" y="789139"/>
+                </a:lnTo>
+                <a:close/>
+              </a:path>
+            </a:pathLst>
+          </a:custGeom>
+        </p:spPr>
+        <p:style>
+          <a:lnRef idx="2">
+            <a:schemeClr val="accent1">
+              <a:shade val="50000"/>
+            </a:schemeClr>
+          </a:lnRef>
+          <a:fillRef idx="1">
+            <a:schemeClr val="accent1"/>
+          </a:fillRef>
+          <a:effectRef idx="0">
+            <a:schemeClr val="accent1"/>
+          </a:effectRef>
+          <a:fontRef idx="minor">
+            <a:schemeClr val="lt1"/>
+          </a:fontRef>
+        </p:style>
+        <p:txBody>
+          <a:bodyPr rtlCol="0" anchor="ctr"/>
+          <a:lstStyle/>
+          <a:p>
+            <a:pPr algn="ctr"/>
+            <a:endParaRPr lang="en-US"/>
+          </a:p>
+        </p:txBody>
+      </p:sp>
+      <p:sp>
+        <p:nvSpPr>
+          <p:cNvPr id="12" name="Rectangle 11"/>
+          <p:cNvSpPr/>
+          <p:nvPr/>
+        </p:nvSpPr>
+        <p:spPr>
+          <a:xfrm>
+            <a:off x="4742979" y="4394760"/>
+            <a:ext cx="663879" cy="613774"/>
+          </a:xfrm>
+          <a:prstGeom prst="rect">
+            <a:avLst/>
+          </a:prstGeom>
+        </p:spPr>
+        <p:style>
+          <a:lnRef idx="2">
+            <a:schemeClr val="accent1">
+              <a:shade val="50000"/>
+            </a:schemeClr>
+          </a:lnRef>
+          <a:fillRef idx="1">
+            <a:schemeClr val="accent1"/>
+          </a:fillRef>
+          <a:effectRef idx="0">
+            <a:schemeClr val="accent1"/>
+          </a:effectRef>
+          <a:fontRef idx="minor">
+            <a:schemeClr val="lt1"/>
+          </a:fontRef>
+        </p:style>
+        <p:txBody>
+          <a:bodyPr rtlCol="0" anchor="ctr"/>
+          <a:lstStyle/>
+          <a:p>
+            <a:pPr algn="ctr"/>
+            <a:endParaRPr lang="en-US"/>
+          </a:p>
+        </p:txBody>
+      </p:sp>
     </p:spTree>
     <p:extLst>
       <p:ext uri="{BB962C8B-B14F-4D97-AF65-F5344CB8AC3E}">
@@ -4224,6 +5297,13 @@
   <p:clrMapOvr>
     <a:masterClrMapping/>
   </p:clrMapOvr>
+  <p:timing>
+    <p:tnLst>
+      <p:par>
+        <p:cTn id="1" dur="indefinite" restart="never" nodeType="tmRoot"/>
+      </p:par>
+    </p:tnLst>
+  </p:timing>
 </p:sld>
 </file>
 
@@ -4277,14 +5357,14 @@
             <p:ph idx="1"/>
             <p:extLst>
               <p:ext uri="{D42A27DB-BD31-4B8C-83A1-F6EECF244321}">
-                <p14:modId xmlns:p14="http://schemas.microsoft.com/office/powerpoint/2010/main" val="1608985265"/>
+                <p14:modId xmlns:p14="http://schemas.microsoft.com/office/powerpoint/2010/main" val="1399633642"/>
               </p:ext>
             </p:extLst>
           </p:nvPr>
         </p:nvGraphicFramePr>
         <p:xfrm>
-          <a:off x="838200" y="1825625"/>
-          <a:ext cx="10515600" cy="3917056"/>
+          <a:off x="1262063" y="1828800"/>
+          <a:ext cx="8594724" cy="3932672"/>
         </p:xfrm>
         <a:graphic>
           <a:graphicData uri="http://schemas.openxmlformats.org/drawingml/2006/table">
@@ -4293,10 +5373,10 @@
                 <a:tableStyleId>{BDBED569-4797-4DF1-A0F4-6AAB3CD982D8}</a:tableStyleId>
               </a:tblPr>
               <a:tblGrid>
-                <a:gridCol w="2628900"/>
-                <a:gridCol w="2628900"/>
-                <a:gridCol w="2628900"/>
-                <a:gridCol w="2628900"/>
+                <a:gridCol w="2148681"/>
+                <a:gridCol w="2148681"/>
+                <a:gridCol w="2148681"/>
+                <a:gridCol w="2148681"/>
               </a:tblGrid>
               <a:tr h="899536">
                 <a:tc>
@@ -4305,26 +5385,33 @@
                     <a:lstStyle/>
                     <a:p>
                       <a:r>
-                        <a:rPr lang="en-US" dirty="0" smtClean="0"/>
-                        <a:t>                    Target Feature</a:t>
+                        <a:rPr lang="en-US" sz="1600" dirty="0" smtClean="0"/>
+                        <a:t>                 Target     </a:t>
                       </a:r>
                     </a:p>
                     <a:p>
-                      <a:endParaRPr lang="en-US" dirty="0" smtClean="0"/>
+                      <a:r>
+                        <a:rPr lang="en-US" sz="1600" dirty="0" smtClean="0"/>
+                        <a:t>                 Feature</a:t>
+                      </a:r>
+                      <a:endParaRPr lang="en-US" sz="1600" dirty="0" smtClean="0"/>
+                    </a:p>
+                    <a:p>
+                      <a:endParaRPr lang="en-US" sz="1600" dirty="0" smtClean="0"/>
                     </a:p>
                     <a:p>
                       <a:r>
-                        <a:rPr lang="en-US" dirty="0" smtClean="0"/>
+                        <a:rPr lang="en-US" sz="1600" dirty="0" smtClean="0"/>
                         <a:t>Join</a:t>
                       </a:r>
                       <a:r>
-                        <a:rPr lang="en-US" baseline="0" dirty="0" smtClean="0"/>
+                        <a:rPr lang="en-US" sz="1600" baseline="0" dirty="0" smtClean="0"/>
                         <a:t> Feature</a:t>
                       </a:r>
-                      <a:endParaRPr lang="en-US" dirty="0"/>
+                      <a:endParaRPr lang="en-US" sz="1600" dirty="0"/>
                     </a:p>
                   </a:txBody>
-                  <a:tcPr>
+                  <a:tcPr marL="74737" marR="74737">
                     <a:lnTlToBr w="12700" cap="flat" cmpd="sng" algn="ctr">
                       <a:solidFill>
                         <a:schemeClr val="tx1"/>
@@ -4348,7 +5435,7 @@
                       <a:endParaRPr lang="en-US" dirty="0"/>
                     </a:p>
                   </a:txBody>
-                  <a:tcPr/>
+                  <a:tcPr marL="74737" marR="74737"/>
                 </a:tc>
                 <a:tc>
                   <a:txBody>
@@ -4362,7 +5449,7 @@
                       <a:endParaRPr lang="en-US" dirty="0"/>
                     </a:p>
                   </a:txBody>
-                  <a:tcPr/>
+                  <a:tcPr marL="74737" marR="74737"/>
                 </a:tc>
                 <a:tc>
                   <a:txBody>
@@ -4376,7 +5463,7 @@
                       <a:endParaRPr lang="en-US" dirty="0"/>
                     </a:p>
                   </a:txBody>
-                  <a:tcPr/>
+                  <a:tcPr marL="74737" marR="74737"/>
                 </a:tc>
               </a:tr>
               <a:tr h="899536">
@@ -4392,7 +5479,7 @@
                       <a:endParaRPr lang="en-US" b="1" dirty="0"/>
                     </a:p>
                   </a:txBody>
-                  <a:tcPr/>
+                  <a:tcPr marL="74737" marR="74737"/>
                 </a:tc>
                 <a:tc>
                   <a:txBody>
@@ -4400,17 +5487,21 @@
                     <a:lstStyle/>
                     <a:p>
                       <a:r>
-                        <a:rPr lang="en-US" dirty="0" smtClean="0"/>
+                        <a:rPr lang="en-US" sz="1600" dirty="0" smtClean="0"/>
                         <a:t>Based</a:t>
                       </a:r>
                       <a:r>
-                        <a:rPr lang="en-US" baseline="0" dirty="0" smtClean="0"/>
-                        <a:t> on Distance</a:t>
+                        <a:rPr lang="en-US" sz="1600" baseline="0" dirty="0" smtClean="0"/>
+                        <a:t> on </a:t>
                       </a:r>
-                      <a:endParaRPr lang="en-US" dirty="0"/>
+                      <a:r>
+                        <a:rPr lang="en-US" sz="1600" baseline="0" dirty="0" smtClean="0"/>
+                        <a:t>Distance/</a:t>
+                      </a:r>
+                      <a:endParaRPr lang="en-US" sz="1600" dirty="0"/>
                     </a:p>
                   </a:txBody>
-                  <a:tcPr/>
+                  <a:tcPr marL="74737" marR="74737"/>
                 </a:tc>
                 <a:tc>
                   <a:txBody>
@@ -4435,24 +5526,28 @@
                         <a:defRPr/>
                       </a:pPr>
                       <a:r>
-                        <a:rPr lang="en-US" dirty="0" smtClean="0"/>
+                        <a:rPr lang="en-US" sz="1600" dirty="0" smtClean="0"/>
                         <a:t>Based</a:t>
                       </a:r>
                       <a:r>
-                        <a:rPr lang="en-US" baseline="0" dirty="0" smtClean="0"/>
-                        <a:t> on Distance</a:t>
+                        <a:rPr lang="en-US" sz="1600" baseline="0" dirty="0" smtClean="0"/>
+                        <a:t> on </a:t>
                       </a:r>
-                      <a:endParaRPr lang="en-US" dirty="0" smtClean="0"/>
+                      <a:r>
+                        <a:rPr lang="en-US" sz="1600" baseline="0" dirty="0" smtClean="0"/>
+                        <a:t>Distance/</a:t>
+                      </a:r>
+                      <a:endParaRPr lang="en-US" sz="1600" dirty="0" smtClean="0"/>
                     </a:p>
                     <a:p>
                       <a:r>
-                        <a:rPr lang="en-US" dirty="0" smtClean="0"/>
+                        <a:rPr lang="en-US" sz="1600" dirty="0" smtClean="0"/>
                         <a:t>Intersect</a:t>
                       </a:r>
-                      <a:endParaRPr lang="en-US" dirty="0"/>
+                      <a:endParaRPr lang="en-US" sz="1600" dirty="0"/>
                     </a:p>
                   </a:txBody>
-                  <a:tcPr/>
+                  <a:tcPr marL="74737" marR="74737"/>
                 </a:tc>
                 <a:tc>
                   <a:txBody>
@@ -4477,24 +5572,28 @@
                         <a:defRPr/>
                       </a:pPr>
                       <a:r>
-                        <a:rPr lang="en-US" dirty="0" smtClean="0"/>
+                        <a:rPr lang="en-US" sz="1600" dirty="0" smtClean="0"/>
                         <a:t>Based</a:t>
                       </a:r>
                       <a:r>
-                        <a:rPr lang="en-US" baseline="0" dirty="0" smtClean="0"/>
-                        <a:t> on Distance</a:t>
+                        <a:rPr lang="en-US" sz="1600" baseline="0" dirty="0" smtClean="0"/>
+                        <a:t> on </a:t>
                       </a:r>
-                      <a:endParaRPr lang="en-US" dirty="0" smtClean="0"/>
+                      <a:r>
+                        <a:rPr lang="en-US" sz="1600" baseline="0" dirty="0" smtClean="0"/>
+                        <a:t>Distance/</a:t>
+                      </a:r>
+                      <a:endParaRPr lang="en-US" sz="1600" dirty="0" smtClean="0"/>
                     </a:p>
                     <a:p>
                       <a:r>
-                        <a:rPr lang="en-US" dirty="0" smtClean="0"/>
+                        <a:rPr lang="en-US" sz="1600" dirty="0" smtClean="0"/>
                         <a:t>Contain</a:t>
                       </a:r>
-                      <a:endParaRPr lang="en-US" dirty="0"/>
+                      <a:endParaRPr lang="en-US" sz="1600" dirty="0"/>
                     </a:p>
                   </a:txBody>
-                  <a:tcPr/>
+                  <a:tcPr marL="74737" marR="74737"/>
                 </a:tc>
               </a:tr>
               <a:tr h="899536">
@@ -4510,7 +5609,7 @@
                       <a:endParaRPr lang="en-US" b="1" dirty="0"/>
                     </a:p>
                   </a:txBody>
-                  <a:tcPr/>
+                  <a:tcPr marL="74737" marR="74737"/>
                 </a:tc>
                 <a:tc>
                   <a:txBody>
@@ -4535,14 +5634,18 @@
                         <a:defRPr/>
                       </a:pPr>
                       <a:r>
-                        <a:rPr lang="en-US" dirty="0" smtClean="0"/>
+                        <a:rPr lang="en-US" sz="1600" dirty="0" smtClean="0"/>
                         <a:t>Based</a:t>
                       </a:r>
                       <a:r>
-                        <a:rPr lang="en-US" baseline="0" dirty="0" smtClean="0"/>
-                        <a:t> on Distance</a:t>
+                        <a:rPr lang="en-US" sz="1600" baseline="0" dirty="0" smtClean="0"/>
+                        <a:t> on </a:t>
                       </a:r>
-                      <a:endParaRPr lang="en-US" dirty="0" smtClean="0"/>
+                      <a:r>
+                        <a:rPr lang="en-US" sz="1600" baseline="0" dirty="0" smtClean="0"/>
+                        <a:t>Distance/</a:t>
+                      </a:r>
+                      <a:endParaRPr lang="en-US" sz="1600" dirty="0" smtClean="0"/>
                     </a:p>
                     <a:p>
                       <a:pPr marL="0" marR="0" indent="0" algn="l" defTabSz="914400" rtl="0" eaLnBrk="1" fontAlgn="auto" latinLnBrk="0" hangingPunct="1">
@@ -4563,12 +5666,12 @@
                         <a:defRPr/>
                       </a:pPr>
                       <a:r>
-                        <a:rPr lang="en-US" dirty="0" smtClean="0"/>
+                        <a:rPr lang="en-US" sz="1600" dirty="0" smtClean="0"/>
                         <a:t>Intersect</a:t>
                       </a:r>
                     </a:p>
                   </a:txBody>
-                  <a:tcPr/>
+                  <a:tcPr marL="74737" marR="74737"/>
                 </a:tc>
                 <a:tc>
                   <a:txBody>
@@ -4593,14 +5696,18 @@
                         <a:defRPr/>
                       </a:pPr>
                       <a:r>
-                        <a:rPr lang="en-US" dirty="0" smtClean="0"/>
+                        <a:rPr lang="en-US" sz="1600" dirty="0" smtClean="0"/>
                         <a:t>Based</a:t>
                       </a:r>
                       <a:r>
-                        <a:rPr lang="en-US" baseline="0" dirty="0" smtClean="0"/>
-                        <a:t> on Distance</a:t>
+                        <a:rPr lang="en-US" sz="1600" baseline="0" dirty="0" smtClean="0"/>
+                        <a:t> on </a:t>
                       </a:r>
-                      <a:endParaRPr lang="en-US" dirty="0" smtClean="0"/>
+                      <a:r>
+                        <a:rPr lang="en-US" sz="1600" baseline="0" dirty="0" smtClean="0"/>
+                        <a:t>Distance/</a:t>
+                      </a:r>
+                      <a:endParaRPr lang="en-US" sz="1600" dirty="0" smtClean="0"/>
                     </a:p>
                     <a:p>
                       <a:pPr marL="0" marR="0" indent="0" algn="l" defTabSz="914400" rtl="0" eaLnBrk="1" fontAlgn="auto" latinLnBrk="0" hangingPunct="1">
@@ -4621,12 +5728,12 @@
                         <a:defRPr/>
                       </a:pPr>
                       <a:r>
-                        <a:rPr lang="en-US" dirty="0" smtClean="0"/>
+                        <a:rPr lang="en-US" sz="1600" dirty="0" smtClean="0"/>
                         <a:t>Intersect</a:t>
                       </a:r>
                     </a:p>
                   </a:txBody>
-                  <a:tcPr/>
+                  <a:tcPr marL="74737" marR="74737"/>
                 </a:tc>
                 <a:tc>
                   <a:txBody>
@@ -4651,20 +5758,25 @@
                         <a:defRPr/>
                       </a:pPr>
                       <a:r>
-                        <a:rPr lang="en-US" dirty="0" smtClean="0"/>
+                        <a:rPr lang="en-US" sz="1600" dirty="0" smtClean="0"/>
                         <a:t>Based</a:t>
                       </a:r>
                       <a:r>
-                        <a:rPr lang="en-US" baseline="0" dirty="0" smtClean="0"/>
-                        <a:t> on Distance</a:t>
+                        <a:rPr lang="en-US" sz="1600" baseline="0" dirty="0" smtClean="0"/>
+                        <a:t> on </a:t>
                       </a:r>
-                      <a:endParaRPr lang="en-US" dirty="0" smtClean="0"/>
+                      <a:r>
+                        <a:rPr lang="en-US" sz="1600" baseline="0" dirty="0" smtClean="0"/>
+                        <a:t>Distance/</a:t>
+                      </a:r>
+                      <a:endParaRPr lang="en-US" sz="1600" dirty="0" smtClean="0"/>
                     </a:p>
                     <a:p>
                       <a:r>
-                        <a:rPr lang="en-US" dirty="0" smtClean="0"/>
-                        <a:t>Intersect</a:t>
+                        <a:rPr lang="en-US" sz="1600" dirty="0" smtClean="0"/>
+                        <a:t>Intersect/</a:t>
                       </a:r>
+                      <a:endParaRPr lang="en-US" sz="1600" dirty="0" smtClean="0"/>
                     </a:p>
                     <a:p>
                       <a:pPr marL="0" marR="0" indent="0" algn="l" defTabSz="914400" rtl="0" eaLnBrk="1" fontAlgn="auto" latinLnBrk="0" hangingPunct="1">
@@ -4685,12 +5797,13 @@
                         <a:defRPr/>
                       </a:pPr>
                       <a:r>
-                        <a:rPr lang="en-US" dirty="0" smtClean="0"/>
+                        <a:rPr lang="en-US" sz="1600" dirty="0" smtClean="0"/>
                         <a:t>Contain</a:t>
                       </a:r>
+                      <a:endParaRPr lang="en-US" sz="1600" dirty="0" smtClean="0"/>
                     </a:p>
                   </a:txBody>
-                  <a:tcPr/>
+                  <a:tcPr marL="74737" marR="74737"/>
                 </a:tc>
               </a:tr>
               <a:tr h="899536">
@@ -4725,7 +5838,7 @@
                       <a:endParaRPr lang="en-US" b="1" dirty="0"/>
                     </a:p>
                   </a:txBody>
-                  <a:tcPr/>
+                  <a:tcPr marL="74737" marR="74737"/>
                 </a:tc>
                 <a:tc>
                   <a:txBody>
@@ -4750,24 +5863,28 @@
                         <a:defRPr/>
                       </a:pPr>
                       <a:r>
-                        <a:rPr lang="en-US" dirty="0" smtClean="0"/>
+                        <a:rPr lang="en-US" sz="1600" dirty="0" smtClean="0"/>
                         <a:t>Based</a:t>
                       </a:r>
                       <a:r>
-                        <a:rPr lang="en-US" baseline="0" dirty="0" smtClean="0"/>
-                        <a:t> on Distance</a:t>
+                        <a:rPr lang="en-US" sz="1600" baseline="0" dirty="0" smtClean="0"/>
+                        <a:t> on </a:t>
                       </a:r>
-                      <a:endParaRPr lang="en-US" dirty="0" smtClean="0"/>
+                      <a:r>
+                        <a:rPr lang="en-US" sz="1600" baseline="0" dirty="0" smtClean="0"/>
+                        <a:t>Distance/</a:t>
+                      </a:r>
+                      <a:endParaRPr lang="en-US" sz="1600" dirty="0" smtClean="0"/>
                     </a:p>
                     <a:p>
                       <a:r>
-                        <a:rPr lang="en-US" dirty="0" smtClean="0"/>
+                        <a:rPr lang="en-US" sz="1600" dirty="0" smtClean="0"/>
                         <a:t>Within</a:t>
                       </a:r>
-                      <a:endParaRPr lang="en-US" dirty="0"/>
+                      <a:endParaRPr lang="en-US" sz="1600" dirty="0"/>
                     </a:p>
                   </a:txBody>
-                  <a:tcPr/>
+                  <a:tcPr marL="74737" marR="74737"/>
                 </a:tc>
                 <a:tc>
                   <a:txBody>
@@ -4792,30 +5909,35 @@
                         <a:defRPr/>
                       </a:pPr>
                       <a:r>
-                        <a:rPr lang="en-US" dirty="0" smtClean="0"/>
+                        <a:rPr lang="en-US" sz="1600" dirty="0" smtClean="0"/>
                         <a:t>Based</a:t>
                       </a:r>
                       <a:r>
-                        <a:rPr lang="en-US" baseline="0" dirty="0" smtClean="0"/>
-                        <a:t> on Distance</a:t>
+                        <a:rPr lang="en-US" sz="1600" baseline="0" dirty="0" smtClean="0"/>
+                        <a:t> </a:t>
                       </a:r>
-                      <a:endParaRPr lang="en-US" dirty="0" smtClean="0"/>
+                      <a:r>
+                        <a:rPr lang="en-US" sz="1600" baseline="0" dirty="0" smtClean="0"/>
+                        <a:t>on Distance/</a:t>
+                      </a:r>
+                      <a:endParaRPr lang="en-US" sz="1600" dirty="0" smtClean="0"/>
                     </a:p>
                     <a:p>
                       <a:r>
-                        <a:rPr lang="en-US" dirty="0" smtClean="0"/>
-                        <a:t>Within</a:t>
+                        <a:rPr lang="en-US" sz="1600" dirty="0" smtClean="0"/>
+                        <a:t>Within/</a:t>
                       </a:r>
+                      <a:endParaRPr lang="en-US" sz="1600" dirty="0" smtClean="0"/>
                     </a:p>
                     <a:p>
                       <a:r>
-                        <a:rPr lang="en-US" dirty="0" smtClean="0"/>
+                        <a:rPr lang="en-US" sz="1600" dirty="0" smtClean="0"/>
                         <a:t>Intersect</a:t>
                       </a:r>
-                      <a:endParaRPr lang="en-US" dirty="0"/>
+                      <a:endParaRPr lang="en-US" sz="1600" dirty="0"/>
                     </a:p>
                   </a:txBody>
-                  <a:tcPr/>
+                  <a:tcPr marL="74737" marR="74737"/>
                 </a:tc>
                 <a:tc>
                   <a:txBody>
@@ -4840,26 +5962,32 @@
                         <a:defRPr/>
                       </a:pPr>
                       <a:r>
-                        <a:rPr lang="en-US" dirty="0" smtClean="0"/>
+                        <a:rPr lang="en-US" sz="1600" dirty="0" smtClean="0"/>
                         <a:t>Based</a:t>
                       </a:r>
                       <a:r>
-                        <a:rPr lang="en-US" baseline="0" dirty="0" smtClean="0"/>
-                        <a:t> on Distance</a:t>
+                        <a:rPr lang="en-US" sz="1600" baseline="0" dirty="0" smtClean="0"/>
+                        <a:t> on </a:t>
                       </a:r>
-                      <a:endParaRPr lang="en-US" dirty="0" smtClean="0"/>
+                      <a:r>
+                        <a:rPr lang="en-US" sz="1600" baseline="0" dirty="0" smtClean="0"/>
+                        <a:t>Distance/</a:t>
+                      </a:r>
+                      <a:endParaRPr lang="en-US" sz="1600" dirty="0" smtClean="0"/>
                     </a:p>
                     <a:p>
                       <a:r>
-                        <a:rPr lang="en-US" dirty="0" smtClean="0"/>
-                        <a:t>Intersect</a:t>
+                        <a:rPr lang="en-US" sz="1600" dirty="0" smtClean="0"/>
+                        <a:t>Intersect/</a:t>
                       </a:r>
+                      <a:endParaRPr lang="en-US" sz="1600" dirty="0" smtClean="0"/>
                     </a:p>
                     <a:p>
                       <a:r>
-                        <a:rPr lang="en-US" dirty="0" smtClean="0"/>
-                        <a:t>Contain</a:t>
+                        <a:rPr lang="en-US" sz="1600" dirty="0" smtClean="0"/>
+                        <a:t>Contain/</a:t>
                       </a:r>
+                      <a:endParaRPr lang="en-US" sz="1600" dirty="0" smtClean="0"/>
                     </a:p>
                     <a:p>
                       <a:pPr marL="0" marR="0" indent="0" algn="l" defTabSz="914400" rtl="0" eaLnBrk="1" fontAlgn="auto" latinLnBrk="0" hangingPunct="1">
@@ -4880,12 +6008,13 @@
                         <a:defRPr/>
                       </a:pPr>
                       <a:r>
-                        <a:rPr lang="en-US" dirty="0" smtClean="0"/>
+                        <a:rPr lang="en-US" sz="1600" dirty="0" smtClean="0"/>
                         <a:t>Within</a:t>
                       </a:r>
+                      <a:endParaRPr lang="en-US" sz="1600" dirty="0" smtClean="0"/>
                     </a:p>
                   </a:txBody>
-                  <a:tcPr/>
+                  <a:tcPr marL="74737" marR="74737"/>
                 </a:tc>
               </a:tr>
             </a:tbl>
@@ -4902,97 +6031,271 @@
   <p:clrMapOvr>
     <a:masterClrMapping/>
   </p:clrMapOvr>
+  <p:timing>
+    <p:tnLst>
+      <p:par>
+        <p:cTn id="1" dur="indefinite" restart="never" nodeType="tmRoot"/>
+      </p:par>
+    </p:tnLst>
+  </p:timing>
+</p:sld>
+</file>
+
+<file path=ppt/slides/slide4.xml><?xml version="1.0" encoding="utf-8"?>
+<p:sld xmlns:a="http://schemas.openxmlformats.org/drawingml/2006/main" xmlns:r="http://schemas.openxmlformats.org/officeDocument/2006/relationships" xmlns:p="http://schemas.openxmlformats.org/presentationml/2006/main">
+  <p:cSld>
+    <p:spTree>
+      <p:nvGrpSpPr>
+        <p:cNvPr id="1" name=""/>
+        <p:cNvGrpSpPr/>
+        <p:nvPr/>
+      </p:nvGrpSpPr>
+      <p:grpSpPr>
+        <a:xfrm>
+          <a:off x="0" y="0"/>
+          <a:ext cx="0" cy="0"/>
+          <a:chOff x="0" y="0"/>
+          <a:chExt cx="0" cy="0"/>
+        </a:xfrm>
+      </p:grpSpPr>
+      <p:sp>
+        <p:nvSpPr>
+          <p:cNvPr id="2" name="Title 1"/>
+          <p:cNvSpPr>
+            <a:spLocks noGrp="1"/>
+          </p:cNvSpPr>
+          <p:nvPr>
+            <p:ph type="title"/>
+          </p:nvPr>
+        </p:nvSpPr>
+        <p:spPr/>
+        <p:txBody>
+          <a:bodyPr/>
+          <a:lstStyle/>
+          <a:p>
+            <a:r>
+              <a:rPr lang="en-US" dirty="0" smtClean="0"/>
+              <a:t>Tools for Spatial Join</a:t>
+            </a:r>
+            <a:endParaRPr lang="en-US" dirty="0"/>
+          </a:p>
+        </p:txBody>
+      </p:sp>
+      <p:sp>
+        <p:nvSpPr>
+          <p:cNvPr id="3" name="Content Placeholder 2"/>
+          <p:cNvSpPr>
+            <a:spLocks noGrp="1"/>
+          </p:cNvSpPr>
+          <p:nvPr>
+            <p:ph idx="1"/>
+          </p:nvPr>
+        </p:nvSpPr>
+        <p:spPr>
+          <a:xfrm>
+            <a:off x="1261872" y="1828800"/>
+            <a:ext cx="8595360" cy="4759890"/>
+          </a:xfrm>
+        </p:spPr>
+        <p:txBody>
+          <a:bodyPr/>
+          <a:lstStyle/>
+          <a:p>
+            <a:r>
+              <a:rPr lang="en-US" dirty="0" smtClean="0"/>
+              <a:t>ArcGIS Pro / ArcGIS Map</a:t>
+            </a:r>
+          </a:p>
+          <a:p>
+            <a:pPr lvl="1"/>
+            <a:r>
+              <a:rPr lang="en-US" dirty="0" smtClean="0"/>
+              <a:t>Pros</a:t>
+            </a:r>
+          </a:p>
+          <a:p>
+            <a:pPr lvl="2"/>
+            <a:r>
+              <a:rPr lang="en-US" dirty="0" smtClean="0"/>
+              <a:t>Easy to use (</a:t>
+            </a:r>
+            <a:r>
+              <a:rPr lang="en-US" dirty="0"/>
+              <a:t>mostly </a:t>
+            </a:r>
+            <a:r>
+              <a:rPr lang="en-US" dirty="0" smtClean="0"/>
+              <a:t>click base, but also has API for Python)</a:t>
+            </a:r>
+          </a:p>
+          <a:p>
+            <a:pPr lvl="2"/>
+            <a:r>
+              <a:rPr lang="en-US" dirty="0" smtClean="0"/>
+              <a:t>Optimized, performance is better than other open-source tools</a:t>
+            </a:r>
+          </a:p>
+          <a:p>
+            <a:pPr lvl="1"/>
+            <a:r>
+              <a:rPr lang="en-US" dirty="0" smtClean="0"/>
+              <a:t>Cons</a:t>
+            </a:r>
+            <a:endParaRPr lang="en-US" dirty="0"/>
+          </a:p>
+          <a:p>
+            <a:pPr lvl="2"/>
+            <a:r>
+              <a:rPr lang="en-US" dirty="0" smtClean="0"/>
+              <a:t>Commercial Software</a:t>
+            </a:r>
+          </a:p>
+          <a:p>
+            <a:pPr lvl="2"/>
+            <a:r>
+              <a:rPr lang="en-US" dirty="0" smtClean="0"/>
+              <a:t>Only available for Windows</a:t>
+            </a:r>
+          </a:p>
+          <a:p>
+            <a:pPr lvl="2"/>
+            <a:r>
+              <a:rPr lang="en-US" dirty="0" smtClean="0"/>
+              <a:t>Bad reproducibility</a:t>
+            </a:r>
+            <a:endParaRPr lang="en-US" dirty="0"/>
+          </a:p>
+          <a:p>
+            <a:r>
+              <a:rPr lang="en-US" dirty="0" smtClean="0"/>
+              <a:t>R / Python / QGIS</a:t>
+            </a:r>
+          </a:p>
+          <a:p>
+            <a:pPr lvl="1"/>
+            <a:r>
+              <a:rPr lang="en-US" dirty="0" smtClean="0"/>
+              <a:t>Pros</a:t>
+            </a:r>
+          </a:p>
+          <a:p>
+            <a:pPr lvl="2"/>
+            <a:r>
+              <a:rPr lang="en-US" dirty="0" smtClean="0"/>
+              <a:t>Free!</a:t>
+            </a:r>
+          </a:p>
+          <a:p>
+            <a:pPr lvl="2"/>
+            <a:r>
+              <a:rPr lang="en-US" dirty="0" smtClean="0"/>
+              <a:t>Better reproducibility</a:t>
+            </a:r>
+          </a:p>
+          <a:p>
+            <a:pPr lvl="2"/>
+            <a:r>
+              <a:rPr lang="en-US" dirty="0"/>
+              <a:t>Able to </a:t>
+            </a:r>
+            <a:r>
+              <a:rPr lang="en-US" dirty="0" smtClean="0"/>
+              <a:t>parallelize on supercomputer / cluster</a:t>
+            </a:r>
+          </a:p>
+          <a:p>
+            <a:pPr lvl="1"/>
+            <a:r>
+              <a:rPr lang="en-US" dirty="0" smtClean="0"/>
+              <a:t>Cons</a:t>
+            </a:r>
+          </a:p>
+          <a:p>
+            <a:pPr lvl="2"/>
+            <a:r>
+              <a:rPr lang="en-US" dirty="0" smtClean="0"/>
+              <a:t>Algorithms are slower</a:t>
+            </a:r>
+          </a:p>
+          <a:p>
+            <a:pPr lvl="2"/>
+            <a:endParaRPr lang="en-US" dirty="0" smtClean="0"/>
+          </a:p>
+        </p:txBody>
+      </p:sp>
+    </p:spTree>
+    <p:extLst>
+      <p:ext uri="{BB962C8B-B14F-4D97-AF65-F5344CB8AC3E}">
+        <p14:creationId xmlns:p14="http://schemas.microsoft.com/office/powerpoint/2010/main" val="990106435"/>
+      </p:ext>
+    </p:extLst>
+  </p:cSld>
+  <p:clrMapOvr>
+    <a:masterClrMapping/>
+  </p:clrMapOvr>
+  <p:timing>
+    <p:tnLst>
+      <p:par>
+        <p:cTn id="1" dur="indefinite" restart="never" nodeType="tmRoot"/>
+      </p:par>
+    </p:tnLst>
+  </p:timing>
 </p:sld>
 </file>
 
 <file path=ppt/theme/theme1.xml><?xml version="1.0" encoding="utf-8"?>
-<a:theme xmlns:a="http://schemas.openxmlformats.org/drawingml/2006/main" name="Office Theme">
+<a:theme xmlns:a="http://schemas.openxmlformats.org/drawingml/2006/main" name="View">
   <a:themeElements>
-    <a:clrScheme name="Office">
+    <a:clrScheme name="View">
       <a:dk1>
-        <a:sysClr val="windowText" lastClr="000000"/>
+        <a:srgbClr val="000000"/>
       </a:dk1>
       <a:lt1>
-        <a:sysClr val="window" lastClr="FFFFFF"/>
+        <a:srgbClr val="FFFFFF"/>
       </a:lt1>
       <a:dk2>
-        <a:srgbClr val="44546A"/>
+        <a:srgbClr val="46464A"/>
       </a:dk2>
       <a:lt2>
-        <a:srgbClr val="E7E6E6"/>
+        <a:srgbClr val="D6D3CC"/>
       </a:lt2>
       <a:accent1>
-        <a:srgbClr val="5B9BD5"/>
+        <a:srgbClr val="6F6F74"/>
       </a:accent1>
       <a:accent2>
-        <a:srgbClr val="ED7D31"/>
+        <a:srgbClr val="92A9B9"/>
       </a:accent2>
       <a:accent3>
-        <a:srgbClr val="A5A5A5"/>
+        <a:srgbClr val="A7B789"/>
       </a:accent3>
       <a:accent4>
-        <a:srgbClr val="FFC000"/>
+        <a:srgbClr val="B9A489"/>
       </a:accent4>
       <a:accent5>
-        <a:srgbClr val="4472C4"/>
+        <a:srgbClr val="8D6374"/>
       </a:accent5>
       <a:accent6>
-        <a:srgbClr val="70AD47"/>
+        <a:srgbClr val="9B7362"/>
       </a:accent6>
       <a:hlink>
-        <a:srgbClr val="0563C1"/>
+        <a:srgbClr val="67AABF"/>
       </a:hlink>
       <a:folHlink>
-        <a:srgbClr val="954F72"/>
+        <a:srgbClr val="ABAFA5"/>
       </a:folHlink>
     </a:clrScheme>
-    <a:fontScheme name="Office">
+    <a:fontScheme name="View">
       <a:majorFont>
-        <a:latin typeface="Calibri Light" panose="020F0302020204030204"/>
+        <a:latin typeface="Century Schoolbook" panose="02040604050505020304"/>
         <a:ea typeface=""/>
         <a:cs typeface=""/>
-        <a:font script="Jpan" typeface="Yu Gothic Light"/>
+        <a:font script="Jpan" typeface="ＭＳ ゴシック"/>
         <a:font script="Hang" typeface="맑은 고딕"/>
-        <a:font script="Hans" typeface="DengXian Light"/>
+        <a:font script="Hans" typeface="宋体"/>
         <a:font script="Hant" typeface="新細明體"/>
-        <a:font script="Arab" typeface="Times New Roman"/>
-        <a:font script="Hebr" typeface="Times New Roman"/>
-        <a:font script="Thai" typeface="Angsana New"/>
-        <a:font script="Ethi" typeface="Nyala"/>
-        <a:font script="Beng" typeface="Vrinda"/>
-        <a:font script="Gujr" typeface="Shruti"/>
-        <a:font script="Khmr" typeface="MoolBoran"/>
-        <a:font script="Knda" typeface="Tunga"/>
-        <a:font script="Guru" typeface="Raavi"/>
-        <a:font script="Cans" typeface="Euphemia"/>
-        <a:font script="Cher" typeface="Plantagenet Cherokee"/>
-        <a:font script="Yiii" typeface="Microsoft Yi Baiti"/>
-        <a:font script="Tibt" typeface="Microsoft Himalaya"/>
-        <a:font script="Thaa" typeface="MV Boli"/>
-        <a:font script="Deva" typeface="Mangal"/>
-        <a:font script="Telu" typeface="Gautami"/>
-        <a:font script="Taml" typeface="Latha"/>
-        <a:font script="Syrc" typeface="Estrangelo Edessa"/>
-        <a:font script="Orya" typeface="Kalinga"/>
-        <a:font script="Mlym" typeface="Kartika"/>
-        <a:font script="Laoo" typeface="DokChampa"/>
-        <a:font script="Sinh" typeface="Iskoola Pota"/>
-        <a:font script="Mong" typeface="Mongolian Baiti"/>
-        <a:font script="Viet" typeface="Times New Roman"/>
-        <a:font script="Uigh" typeface="Microsoft Uighur"/>
-        <a:font script="Geor" typeface="Sylfaen"/>
-      </a:majorFont>
-      <a:minorFont>
-        <a:latin typeface="Calibri" panose="020F0502020204030204"/>
-        <a:ea typeface=""/>
-        <a:cs typeface=""/>
-        <a:font script="Jpan" typeface="Yu Gothic"/>
-        <a:font script="Hang" typeface="맑은 고딕"/>
-        <a:font script="Hans" typeface="DengXian"/>
-        <a:font script="Hant" typeface="新細明體"/>
-        <a:font script="Arab" typeface="Arial"/>
-        <a:font script="Hebr" typeface="Arial"/>
-        <a:font script="Thai" typeface="Cordia New"/>
+        <a:font script="Arab" typeface="Tahoma"/>
+        <a:font script="Hebr" typeface="Gisha"/>
+        <a:font script="Thai" typeface="DilleniaUPC"/>
         <a:font script="Ethi" typeface="Nyala"/>
         <a:font script="Beng" typeface="Vrinda"/>
         <a:font script="Gujr" typeface="Shruti"/>
@@ -5013,90 +6316,86 @@
         <a:font script="Laoo" typeface="DokChampa"/>
         <a:font script="Sinh" typeface="Iskoola Pota"/>
         <a:font script="Mong" typeface="Mongolian Baiti"/>
-        <a:font script="Viet" typeface="Arial"/>
+        <a:font script="Viet" typeface="Tahoma"/>
+        <a:font script="Uigh" typeface="Microsoft Uighur"/>
+        <a:font script="Geor" typeface="Sylfaen"/>
+      </a:majorFont>
+      <a:minorFont>
+        <a:latin typeface="Century Schoolbook" panose="02040604050505020304"/>
+        <a:ea typeface=""/>
+        <a:cs typeface=""/>
+        <a:font script="Jpan" typeface="ＭＳ ゴシック"/>
+        <a:font script="Hang" typeface="맑은 고딕"/>
+        <a:font script="Hans" typeface="宋体"/>
+        <a:font script="Hant" typeface="新細明體"/>
+        <a:font script="Arab" typeface="Tahoma"/>
+        <a:font script="Hebr" typeface="Gisha"/>
+        <a:font script="Thai" typeface="DilleniaUPC"/>
+        <a:font script="Ethi" typeface="Nyala"/>
+        <a:font script="Beng" typeface="Vrinda"/>
+        <a:font script="Gujr" typeface="Shruti"/>
+        <a:font script="Khmr" typeface="DaunPenh"/>
+        <a:font script="Knda" typeface="Tunga"/>
+        <a:font script="Guru" typeface="Raavi"/>
+        <a:font script="Cans" typeface="Euphemia"/>
+        <a:font script="Cher" typeface="Plantagenet Cherokee"/>
+        <a:font script="Yiii" typeface="Microsoft Yi Baiti"/>
+        <a:font script="Tibt" typeface="Microsoft Himalaya"/>
+        <a:font script="Thaa" typeface="MV Boli"/>
+        <a:font script="Deva" typeface="Mangal"/>
+        <a:font script="Telu" typeface="Gautami"/>
+        <a:font script="Taml" typeface="Latha"/>
+        <a:font script="Syrc" typeface="Estrangelo Edessa"/>
+        <a:font script="Orya" typeface="Kalinga"/>
+        <a:font script="Mlym" typeface="Kartika"/>
+        <a:font script="Laoo" typeface="DokChampa"/>
+        <a:font script="Sinh" typeface="Iskoola Pota"/>
+        <a:font script="Mong" typeface="Mongolian Baiti"/>
+        <a:font script="Viet" typeface="Verdana"/>
         <a:font script="Uigh" typeface="Microsoft Uighur"/>
         <a:font script="Geor" typeface="Sylfaen"/>
       </a:minorFont>
     </a:fontScheme>
-    <a:fmtScheme name="Office">
+    <a:fmtScheme name="View">
       <a:fillStyleLst>
         <a:solidFill>
           <a:schemeClr val="phClr"/>
         </a:solidFill>
-        <a:gradFill rotWithShape="1">
-          <a:gsLst>
-            <a:gs pos="0">
-              <a:schemeClr val="phClr">
-                <a:lumMod val="110000"/>
-                <a:satMod val="105000"/>
-                <a:tint val="67000"/>
-              </a:schemeClr>
-            </a:gs>
-            <a:gs pos="50000">
-              <a:schemeClr val="phClr">
-                <a:lumMod val="105000"/>
-                <a:satMod val="103000"/>
-                <a:tint val="73000"/>
-              </a:schemeClr>
-            </a:gs>
-            <a:gs pos="100000">
-              <a:schemeClr val="phClr">
-                <a:lumMod val="105000"/>
-                <a:satMod val="109000"/>
-                <a:tint val="81000"/>
-              </a:schemeClr>
-            </a:gs>
-          </a:gsLst>
-          <a:lin ang="5400000" scaled="0"/>
-        </a:gradFill>
-        <a:gradFill rotWithShape="1">
-          <a:gsLst>
-            <a:gs pos="0">
-              <a:schemeClr val="phClr">
-                <a:satMod val="103000"/>
-                <a:lumMod val="102000"/>
-                <a:tint val="94000"/>
-              </a:schemeClr>
-            </a:gs>
-            <a:gs pos="50000">
-              <a:schemeClr val="phClr">
-                <a:satMod val="110000"/>
-                <a:lumMod val="100000"/>
-                <a:shade val="100000"/>
-              </a:schemeClr>
-            </a:gs>
-            <a:gs pos="100000">
-              <a:schemeClr val="phClr">
-                <a:lumMod val="99000"/>
-                <a:satMod val="120000"/>
-                <a:shade val="78000"/>
-              </a:schemeClr>
-            </a:gs>
-          </a:gsLst>
-          <a:lin ang="5400000" scaled="0"/>
-        </a:gradFill>
+        <a:solidFill>
+          <a:schemeClr val="phClr">
+            <a:tint val="60000"/>
+            <a:satMod val="120000"/>
+          </a:schemeClr>
+        </a:solidFill>
+        <a:solidFill>
+          <a:schemeClr val="phClr">
+            <a:shade val="75000"/>
+            <a:satMod val="160000"/>
+          </a:schemeClr>
+        </a:solidFill>
       </a:fillStyleLst>
       <a:lnStyleLst>
-        <a:ln w="6350" cap="flat" cmpd="sng" algn="ctr">
+        <a:ln w="9525" cap="flat" cmpd="sng" algn="ctr">
           <a:solidFill>
             <a:schemeClr val="phClr"/>
           </a:solidFill>
           <a:prstDash val="solid"/>
-          <a:miter lim="800000"/>
         </a:ln>
-        <a:ln w="12700" cap="flat" cmpd="sng" algn="ctr">
+        <a:ln w="13970" cap="flat" cmpd="sng" algn="ctr">
           <a:solidFill>
             <a:schemeClr val="phClr"/>
           </a:solidFill>
           <a:prstDash val="solid"/>
-          <a:miter lim="800000"/>
         </a:ln>
-        <a:ln w="19050" cap="flat" cmpd="sng" algn="ctr">
+        <a:ln w="17145" cap="flat" cmpd="sng" algn="ctr">
           <a:solidFill>
-            <a:schemeClr val="phClr"/>
+            <a:schemeClr val="phClr">
+              <a:shade val="95000"/>
+              <a:alpha val="95000"/>
+              <a:satMod val="150000"/>
+            </a:schemeClr>
           </a:solidFill>
           <a:prstDash val="solid"/>
-          <a:miter lim="800000"/>
         </a:ln>
       </a:lnStyleLst>
       <a:effectStyleLst>
@@ -5104,16 +6403,52 @@
           <a:effectLst/>
         </a:effectStyle>
         <a:effectStyle>
-          <a:effectLst/>
+          <a:effectLst>
+            <a:outerShdw blurRad="50800" dist="15240" dir="5400000" algn="tl" rotWithShape="0">
+              <a:srgbClr val="000000">
+                <a:alpha val="75000"/>
+              </a:srgbClr>
+            </a:outerShdw>
+          </a:effectLst>
+          <a:scene3d>
+            <a:camera prst="orthographicFront">
+              <a:rot lat="0" lon="0" rev="0"/>
+            </a:camera>
+            <a:lightRig rig="brightRoom" dir="tl"/>
+          </a:scene3d>
+          <a:sp3d contourW="9525" prstMaterial="flat">
+            <a:bevelT w="0" h="0" prst="coolSlant"/>
+            <a:contourClr>
+              <a:schemeClr val="phClr">
+                <a:shade val="35000"/>
+                <a:satMod val="130000"/>
+              </a:schemeClr>
+            </a:contourClr>
+          </a:sp3d>
         </a:effectStyle>
         <a:effectStyle>
           <a:effectLst>
-            <a:outerShdw blurRad="57150" dist="19050" dir="5400000" algn="ctr" rotWithShape="0">
+            <a:outerShdw blurRad="76200" dist="25400" dir="5400000" algn="tl" rotWithShape="0">
               <a:srgbClr val="000000">
-                <a:alpha val="63000"/>
+                <a:alpha val="55000"/>
               </a:srgbClr>
             </a:outerShdw>
           </a:effectLst>
+          <a:scene3d>
+            <a:camera prst="orthographicFront">
+              <a:rot lat="0" lon="0" rev="0"/>
+            </a:camera>
+            <a:lightRig rig="brightRoom" dir="tl"/>
+          </a:scene3d>
+          <a:sp3d contourW="19050" prstMaterial="flat">
+            <a:bevelT w="0" h="0" prst="coolSlant"/>
+            <a:contourClr>
+              <a:schemeClr val="phClr">
+                <a:shade val="25000"/>
+                <a:satMod val="140000"/>
+              </a:schemeClr>
+            </a:contourClr>
+          </a:sp3d>
         </a:effectStyle>
       </a:effectStyleLst>
       <a:bgFillStyleLst>
@@ -5130,28 +6465,23 @@
           <a:gsLst>
             <a:gs pos="0">
               <a:schemeClr val="phClr">
-                <a:tint val="93000"/>
-                <a:satMod val="150000"/>
+                <a:tint val="94000"/>
                 <a:shade val="98000"/>
+                <a:satMod val="130000"/>
                 <a:lumMod val="102000"/>
-              </a:schemeClr>
-            </a:gs>
-            <a:gs pos="50000">
-              <a:schemeClr val="phClr">
-                <a:tint val="98000"/>
-                <a:satMod val="130000"/>
-                <a:shade val="90000"/>
-                <a:lumMod val="103000"/>
               </a:schemeClr>
             </a:gs>
             <a:gs pos="100000">
               <a:schemeClr val="phClr">
-                <a:shade val="63000"/>
-                <a:satMod val="120000"/>
+                <a:tint val="98000"/>
+                <a:shade val="78000"/>
+                <a:satMod val="140000"/>
               </a:schemeClr>
             </a:gs>
           </a:gsLst>
-          <a:lin ang="5400000" scaled="0"/>
+          <a:path path="circle">
+            <a:fillToRect l="100000" t="100000" r="100000" b="100000"/>
+          </a:path>
         </a:gradFill>
       </a:bgFillStyleLst>
     </a:fmtScheme>
@@ -5160,7 +6490,7 @@
   <a:extraClrSchemeLst/>
   <a:extLst>
     <a:ext uri="{05A4C25C-085E-4340-85A3-A5531E510DB2}">
-      <thm15:themeFamily xmlns:thm15="http://schemas.microsoft.com/office/thememl/2012/main" name="Office Theme" id="{62F939B6-93AF-4DB8-9C6B-D6C7DFDC589F}" vid="{4A3C46E8-61CC-4603-A589-7422A47A8E4A}"/>
+      <thm15:themeFamily xmlns:thm15="http://schemas.microsoft.com/office/thememl/2012/main" name="View" id="{BA0EB5A6-F2D4-4F82-977B-64ADEE4A2A69}" vid="{3969A8A2-35DB-4E3B-8885-16FD20568674}"/>
     </a:ext>
   </a:extLst>
 </a:theme>

--- a/spatial_join_in_R.pptx
+++ b/spatial_join_in_R.pptx
@@ -3938,11 +3938,7 @@
             </a:br>
             <a:r>
               <a:rPr lang="en-US" dirty="0" smtClean="0"/>
-              <a:t>Spatial </a:t>
-            </a:r>
-            <a:r>
-              <a:rPr lang="en-US" dirty="0" smtClean="0"/>
-              <a:t>Join</a:t>
+              <a:t>Spatial Join</a:t>
             </a:r>
             <a:endParaRPr lang="en-US" dirty="0"/>
           </a:p>
@@ -5357,7 +5353,7 @@
             <p:ph idx="1"/>
             <p:extLst>
               <p:ext uri="{D42A27DB-BD31-4B8C-83A1-F6EECF244321}">
-                <p14:modId xmlns:p14="http://schemas.microsoft.com/office/powerpoint/2010/main" val="1399633642"/>
+                <p14:modId xmlns:p14="http://schemas.microsoft.com/office/powerpoint/2010/main" val="1311554324"/>
               </p:ext>
             </p:extLst>
           </p:nvPr>
@@ -5394,7 +5390,6 @@
                         <a:rPr lang="en-US" sz="1600" dirty="0" smtClean="0"/>
                         <a:t>                 Feature</a:t>
                       </a:r>
-                      <a:endParaRPr lang="en-US" sz="1600" dirty="0" smtClean="0"/>
                     </a:p>
                     <a:p>
                       <a:endParaRPr lang="en-US" sz="1600" dirty="0" smtClean="0"/>
@@ -5498,6 +5493,12 @@
                         <a:rPr lang="en-US" sz="1600" baseline="0" dirty="0" smtClean="0"/>
                         <a:t>Distance/</a:t>
                       </a:r>
+                    </a:p>
+                    <a:p>
+                      <a:r>
+                        <a:rPr lang="en-US" sz="1600" dirty="0" smtClean="0"/>
+                        <a:t>Intersect</a:t>
+                      </a:r>
                       <a:endParaRPr lang="en-US" sz="1600" dirty="0"/>
                     </a:p>
                   </a:txBody>
@@ -5531,11 +5532,7 @@
                       </a:r>
                       <a:r>
                         <a:rPr lang="en-US" sz="1600" baseline="0" dirty="0" smtClean="0"/>
-                        <a:t> on </a:t>
-                      </a:r>
-                      <a:r>
-                        <a:rPr lang="en-US" sz="1600" baseline="0" dirty="0" smtClean="0"/>
-                        <a:t>Distance/</a:t>
+                        <a:t> on Distance/</a:t>
                       </a:r>
                       <a:endParaRPr lang="en-US" sz="1600" dirty="0" smtClean="0"/>
                     </a:p>
@@ -5577,11 +5574,7 @@
                       </a:r>
                       <a:r>
                         <a:rPr lang="en-US" sz="1600" baseline="0" dirty="0" smtClean="0"/>
-                        <a:t> on </a:t>
-                      </a:r>
-                      <a:r>
-                        <a:rPr lang="en-US" sz="1600" baseline="0" dirty="0" smtClean="0"/>
-                        <a:t>Distance/</a:t>
+                        <a:t> on Distance/</a:t>
                       </a:r>
                       <a:endParaRPr lang="en-US" sz="1600" dirty="0" smtClean="0"/>
                     </a:p>
@@ -5639,11 +5632,7 @@
                       </a:r>
                       <a:r>
                         <a:rPr lang="en-US" sz="1600" baseline="0" dirty="0" smtClean="0"/>
-                        <a:t> on </a:t>
-                      </a:r>
-                      <a:r>
-                        <a:rPr lang="en-US" sz="1600" baseline="0" dirty="0" smtClean="0"/>
-                        <a:t>Distance/</a:t>
+                        <a:t> on Distance/</a:t>
                       </a:r>
                       <a:endParaRPr lang="en-US" sz="1600" dirty="0" smtClean="0"/>
                     </a:p>
@@ -5701,11 +5690,7 @@
                       </a:r>
                       <a:r>
                         <a:rPr lang="en-US" sz="1600" baseline="0" dirty="0" smtClean="0"/>
-                        <a:t> on </a:t>
-                      </a:r>
-                      <a:r>
-                        <a:rPr lang="en-US" sz="1600" baseline="0" dirty="0" smtClean="0"/>
-                        <a:t>Distance/</a:t>
+                        <a:t> on Distance/</a:t>
                       </a:r>
                       <a:endParaRPr lang="en-US" sz="1600" dirty="0" smtClean="0"/>
                     </a:p>
@@ -5763,11 +5748,7 @@
                       </a:r>
                       <a:r>
                         <a:rPr lang="en-US" sz="1600" baseline="0" dirty="0" smtClean="0"/>
-                        <a:t> on </a:t>
-                      </a:r>
-                      <a:r>
-                        <a:rPr lang="en-US" sz="1600" baseline="0" dirty="0" smtClean="0"/>
-                        <a:t>Distance/</a:t>
+                        <a:t> on Distance/</a:t>
                       </a:r>
                       <a:endParaRPr lang="en-US" sz="1600" dirty="0" smtClean="0"/>
                     </a:p>
@@ -5776,7 +5757,6 @@
                         <a:rPr lang="en-US" sz="1600" dirty="0" smtClean="0"/>
                         <a:t>Intersect/</a:t>
                       </a:r>
-                      <a:endParaRPr lang="en-US" sz="1600" dirty="0" smtClean="0"/>
                     </a:p>
                     <a:p>
                       <a:pPr marL="0" marR="0" indent="0" algn="l" defTabSz="914400" rtl="0" eaLnBrk="1" fontAlgn="auto" latinLnBrk="0" hangingPunct="1">
@@ -5800,7 +5780,6 @@
                         <a:rPr lang="en-US" sz="1600" dirty="0" smtClean="0"/>
                         <a:t>Contain</a:t>
                       </a:r>
-                      <a:endParaRPr lang="en-US" sz="1600" dirty="0" smtClean="0"/>
                     </a:p>
                   </a:txBody>
                   <a:tcPr marL="74737" marR="74737"/>
@@ -5868,11 +5847,7 @@
                       </a:r>
                       <a:r>
                         <a:rPr lang="en-US" sz="1600" baseline="0" dirty="0" smtClean="0"/>
-                        <a:t> on </a:t>
-                      </a:r>
-                      <a:r>
-                        <a:rPr lang="en-US" sz="1600" baseline="0" dirty="0" smtClean="0"/>
-                        <a:t>Distance/</a:t>
+                        <a:t> on Distance/</a:t>
                       </a:r>
                       <a:endParaRPr lang="en-US" sz="1600" dirty="0" smtClean="0"/>
                     </a:p>
@@ -5914,11 +5889,7 @@
                       </a:r>
                       <a:r>
                         <a:rPr lang="en-US" sz="1600" baseline="0" dirty="0" smtClean="0"/>
-                        <a:t> </a:t>
-                      </a:r>
-                      <a:r>
-                        <a:rPr lang="en-US" sz="1600" baseline="0" dirty="0" smtClean="0"/>
-                        <a:t>on Distance/</a:t>
+                        <a:t> on Distance/</a:t>
                       </a:r>
                       <a:endParaRPr lang="en-US" sz="1600" dirty="0" smtClean="0"/>
                     </a:p>
@@ -5927,7 +5898,6 @@
                         <a:rPr lang="en-US" sz="1600" dirty="0" smtClean="0"/>
                         <a:t>Within/</a:t>
                       </a:r>
-                      <a:endParaRPr lang="en-US" sz="1600" dirty="0" smtClean="0"/>
                     </a:p>
                     <a:p>
                       <a:r>
@@ -5967,11 +5937,7 @@
                       </a:r>
                       <a:r>
                         <a:rPr lang="en-US" sz="1600" baseline="0" dirty="0" smtClean="0"/>
-                        <a:t> on </a:t>
-                      </a:r>
-                      <a:r>
-                        <a:rPr lang="en-US" sz="1600" baseline="0" dirty="0" smtClean="0"/>
-                        <a:t>Distance/</a:t>
+                        <a:t> on Distance/</a:t>
                       </a:r>
                       <a:endParaRPr lang="en-US" sz="1600" dirty="0" smtClean="0"/>
                     </a:p>
@@ -5980,14 +5946,12 @@
                         <a:rPr lang="en-US" sz="1600" dirty="0" smtClean="0"/>
                         <a:t>Intersect/</a:t>
                       </a:r>
-                      <a:endParaRPr lang="en-US" sz="1600" dirty="0" smtClean="0"/>
                     </a:p>
                     <a:p>
                       <a:r>
                         <a:rPr lang="en-US" sz="1600" dirty="0" smtClean="0"/>
                         <a:t>Contain/</a:t>
                       </a:r>
-                      <a:endParaRPr lang="en-US" sz="1600" dirty="0" smtClean="0"/>
                     </a:p>
                     <a:p>
                       <a:pPr marL="0" marR="0" indent="0" algn="l" defTabSz="914400" rtl="0" eaLnBrk="1" fontAlgn="auto" latinLnBrk="0" hangingPunct="1">
@@ -6011,7 +5975,6 @@
                         <a:rPr lang="en-US" sz="1600" dirty="0" smtClean="0"/>
                         <a:t>Within</a:t>
                       </a:r>
-                      <a:endParaRPr lang="en-US" sz="1600" dirty="0" smtClean="0"/>
                     </a:p>
                   </a:txBody>
                   <a:tcPr marL="74737" marR="74737"/>

--- a/spatial_join_in_R.pptx
+++ b/spatial_join_in_R.pptx
@@ -469,6 +469,90 @@
 </file>
 
 <file path=ppt/notesSlides/notesSlide1.xml><?xml version="1.0" encoding="utf-8"?>
+<p:notes xmlns:a="http://schemas.openxmlformats.org/drawingml/2006/main" xmlns:r="http://schemas.openxmlformats.org/officeDocument/2006/relationships" xmlns:p="http://schemas.openxmlformats.org/presentationml/2006/main">
+  <p:cSld>
+    <p:spTree>
+      <p:nvGrpSpPr>
+        <p:cNvPr id="1" name=""/>
+        <p:cNvGrpSpPr/>
+        <p:nvPr/>
+      </p:nvGrpSpPr>
+      <p:grpSpPr>
+        <a:xfrm>
+          <a:off x="0" y="0"/>
+          <a:ext cx="0" cy="0"/>
+          <a:chOff x="0" y="0"/>
+          <a:chExt cx="0" cy="0"/>
+        </a:xfrm>
+      </p:grpSpPr>
+      <p:sp>
+        <p:nvSpPr>
+          <p:cNvPr id="2" name="Slide Image Placeholder 1"/>
+          <p:cNvSpPr>
+            <a:spLocks noGrp="1" noRot="1" noChangeAspect="1"/>
+          </p:cNvSpPr>
+          <p:nvPr>
+            <p:ph type="sldImg"/>
+          </p:nvPr>
+        </p:nvSpPr>
+        <p:spPr/>
+      </p:sp>
+      <p:sp>
+        <p:nvSpPr>
+          <p:cNvPr id="3" name="Notes Placeholder 2"/>
+          <p:cNvSpPr>
+            <a:spLocks noGrp="1"/>
+          </p:cNvSpPr>
+          <p:nvPr>
+            <p:ph type="body" idx="1"/>
+          </p:nvPr>
+        </p:nvSpPr>
+        <p:spPr/>
+        <p:txBody>
+          <a:bodyPr/>
+          <a:lstStyle/>
+          <a:p>
+            <a:endParaRPr lang="en-US"/>
+          </a:p>
+        </p:txBody>
+      </p:sp>
+      <p:sp>
+        <p:nvSpPr>
+          <p:cNvPr id="4" name="Slide Number Placeholder 3"/>
+          <p:cNvSpPr>
+            <a:spLocks noGrp="1"/>
+          </p:cNvSpPr>
+          <p:nvPr>
+            <p:ph type="sldNum" sz="quarter" idx="10"/>
+          </p:nvPr>
+        </p:nvSpPr>
+        <p:spPr/>
+        <p:txBody>
+          <a:bodyPr/>
+          <a:lstStyle/>
+          <a:p>
+            <a:fld id="{0D91AEC0-85A7-B04B-A441-F4B329600063}" type="slidenum">
+              <a:rPr lang="en-US" smtClean="0"/>
+              <a:t>1</a:t>
+            </a:fld>
+            <a:endParaRPr lang="en-US"/>
+          </a:p>
+        </p:txBody>
+      </p:sp>
+    </p:spTree>
+    <p:extLst>
+      <p:ext uri="{BB962C8B-B14F-4D97-AF65-F5344CB8AC3E}">
+        <p14:creationId xmlns:p14="http://schemas.microsoft.com/office/powerpoint/2010/main" val="231551129"/>
+      </p:ext>
+    </p:extLst>
+  </p:cSld>
+  <p:clrMapOvr>
+    <a:masterClrMapping/>
+  </p:clrMapOvr>
+</p:notes>
+</file>
+
+<file path=ppt/notesSlides/notesSlide2.xml><?xml version="1.0" encoding="utf-8"?>
 <p:notes xmlns:a="http://schemas.openxmlformats.org/drawingml/2006/main" xmlns:r="http://schemas.openxmlformats.org/officeDocument/2006/relationships" xmlns:p="http://schemas.openxmlformats.org/presentationml/2006/main">
   <p:cSld>
     <p:spTree>
@@ -3924,9 +4008,16 @@
             <p:ph type="ctrTitle"/>
           </p:nvPr>
         </p:nvSpPr>
-        <p:spPr/>
-        <p:txBody>
-          <a:bodyPr/>
+        <p:spPr>
+          <a:xfrm>
+            <a:off x="1261871" y="758952"/>
+            <a:ext cx="10136813" cy="4041648"/>
+          </a:xfrm>
+        </p:spPr>
+        <p:txBody>
+          <a:bodyPr>
+            <a:normAutofit/>
+          </a:bodyPr>
           <a:lstStyle/>
           <a:p>
             <a:r>
@@ -3938,9 +4029,43 @@
             </a:br>
             <a:r>
               <a:rPr lang="en-US" dirty="0" smtClean="0"/>
-              <a:t>Spatial Join</a:t>
-            </a:r>
-            <a:endParaRPr lang="en-US" dirty="0"/>
+              <a:t>Spatial </a:t>
+            </a:r>
+            <a:r>
+              <a:rPr lang="en-US" dirty="0" smtClean="0"/>
+              <a:t>Join</a:t>
+            </a:r>
+            <a:br>
+              <a:rPr lang="en-US" dirty="0" smtClean="0"/>
+            </a:br>
+            <a:r>
+              <a:rPr lang="en-US" dirty="0"/>
+              <a:t/>
+            </a:r>
+            <a:br>
+              <a:rPr lang="en-US" dirty="0"/>
+            </a:br>
+            <a:r>
+              <a:rPr lang="en-US" sz="3600" dirty="0"/>
+              <a:t>https://</a:t>
+            </a:r>
+            <a:r>
+              <a:rPr lang="en-US" sz="3600" dirty="0" err="1"/>
+              <a:t>github.com</a:t>
+            </a:r>
+            <a:r>
+              <a:rPr lang="en-US" sz="3600" dirty="0"/>
+              <a:t>/</a:t>
+            </a:r>
+            <a:r>
+              <a:rPr lang="en-US" sz="3600" dirty="0" err="1"/>
+              <a:t>HenryLeongStat</a:t>
+            </a:r>
+            <a:r>
+              <a:rPr lang="en-US" sz="3600" dirty="0"/>
+              <a:t>/STAT551</a:t>
+            </a:r>
+            <a:endParaRPr lang="en-US" sz="3600" dirty="0"/>
           </a:p>
         </p:txBody>
       </p:sp>
@@ -5487,11 +5612,7 @@
                       </a:r>
                       <a:r>
                         <a:rPr lang="en-US" sz="1600" baseline="0" dirty="0" smtClean="0"/>
-                        <a:t> on </a:t>
-                      </a:r>
-                      <a:r>
-                        <a:rPr lang="en-US" sz="1600" baseline="0" dirty="0" smtClean="0"/>
-                        <a:t>Distance/</a:t>
+                        <a:t> on Distance/</a:t>
                       </a:r>
                     </a:p>
                     <a:p>
